--- a/react_native.pptx
+++ b/react_native.pptx
@@ -6,6 +6,20 @@
   </p:sldMasterIdLst>
   <p:sldIdLst>
     <p:sldId id="256" r:id="rId2"/>
+    <p:sldId id="257" r:id="rId3"/>
+    <p:sldId id="258" r:id="rId4"/>
+    <p:sldId id="259" r:id="rId5"/>
+    <p:sldId id="260" r:id="rId6"/>
+    <p:sldId id="261" r:id="rId7"/>
+    <p:sldId id="262" r:id="rId8"/>
+    <p:sldId id="263" r:id="rId9"/>
+    <p:sldId id="265" r:id="rId10"/>
+    <p:sldId id="266" r:id="rId11"/>
+    <p:sldId id="267" r:id="rId12"/>
+    <p:sldId id="268" r:id="rId13"/>
+    <p:sldId id="269" r:id="rId14"/>
+    <p:sldId id="270" r:id="rId15"/>
+    <p:sldId id="272" r:id="rId16"/>
   </p:sldIdLst>
   <p:sldSz cx="12192000" cy="6858000"/>
   <p:notesSz cx="6858000" cy="9144000"/>
@@ -104,6 +118,11 @@
       </a:defRPr>
     </a:lvl9pPr>
   </p:defaultTextStyle>
+  <p:extLst>
+    <p:ext uri="{EFAFB233-063F-42B5-8137-9DF3F51BA10A}">
+      <p15:sldGuideLst xmlns:p15="http://schemas.microsoft.com/office/powerpoint/2012/main"/>
+    </p:ext>
+  </p:extLst>
 </p:presentation>
 </file>
 
@@ -5686,7 +5705,7 @@
         </p:blipFill>
         <p:spPr>
           <a:xfrm>
-            <a:off x="2929362" y="-309125"/>
+            <a:off x="2822354" y="-309125"/>
             <a:ext cx="6589104" cy="4658497"/>
           </a:xfrm>
           <a:prstGeom prst="rect">
@@ -5712,7 +5731,7 @@
         </p:nvSpPr>
         <p:spPr>
           <a:xfrm>
-            <a:off x="1811972" y="4069080"/>
+            <a:off x="1704964" y="4069080"/>
             <a:ext cx="8676222" cy="883508"/>
           </a:xfrm>
         </p:spPr>
@@ -5741,7 +5760,7 @@
         </p:nvSpPr>
         <p:spPr>
           <a:xfrm>
-            <a:off x="3020803" y="4748605"/>
+            <a:off x="2913795" y="4758332"/>
             <a:ext cx="6258560" cy="1046440"/>
           </a:xfrm>
           <a:prstGeom prst="rect">
@@ -5805,7 +5824,7 @@
         </p:nvSpPr>
         <p:spPr>
           <a:xfrm>
-            <a:off x="4765095" y="5998149"/>
+            <a:off x="4658087" y="5998149"/>
             <a:ext cx="2606804" cy="292388"/>
           </a:xfrm>
           <a:prstGeom prst="rect">
@@ -5857,7 +5876,7 @@
         </p:nvSpPr>
         <p:spPr>
           <a:xfrm>
-            <a:off x="5687624" y="6493642"/>
+            <a:off x="5580616" y="6493642"/>
             <a:ext cx="761747" cy="230832"/>
           </a:xfrm>
           <a:prstGeom prst="rect">
@@ -5882,6 +5901,4997 @@
     <p:extLst>
       <p:ext uri="{BB962C8B-B14F-4D97-AF65-F5344CB8AC3E}">
         <p14:creationId xmlns:p14="http://schemas.microsoft.com/office/powerpoint/2010/main" val="457175712"/>
+      </p:ext>
+    </p:extLst>
+  </p:cSld>
+  <p:clrMapOvr>
+    <a:masterClrMapping/>
+  </p:clrMapOvr>
+</p:sld>
+</file>
+
+<file path=ppt/slides/slide10.xml><?xml version="1.0" encoding="utf-8"?>
+<p:sld xmlns:a="http://schemas.openxmlformats.org/drawingml/2006/main" xmlns:r="http://schemas.openxmlformats.org/officeDocument/2006/relationships" xmlns:p="http://schemas.openxmlformats.org/presentationml/2006/main">
+  <p:cSld>
+    <p:spTree>
+      <p:nvGrpSpPr>
+        <p:cNvPr id="1" name=""/>
+        <p:cNvGrpSpPr/>
+        <p:nvPr/>
+      </p:nvGrpSpPr>
+      <p:grpSpPr>
+        <a:xfrm>
+          <a:off x="0" y="0"/>
+          <a:ext cx="0" cy="0"/>
+          <a:chOff x="0" y="0"/>
+          <a:chExt cx="0" cy="0"/>
+        </a:xfrm>
+      </p:grpSpPr>
+      <p:sp>
+        <p:nvSpPr>
+          <p:cNvPr id="2" name="Title 1">
+            <a:extLst>
+              <a:ext uri="{FF2B5EF4-FFF2-40B4-BE49-F238E27FC236}">
+                <a16:creationId xmlns:a16="http://schemas.microsoft.com/office/drawing/2014/main" id="{A569B919-B449-1E48-9015-AE22A522B1FB}"/>
+              </a:ext>
+            </a:extLst>
+          </p:cNvPr>
+          <p:cNvSpPr>
+            <a:spLocks noGrp="1"/>
+          </p:cNvSpPr>
+          <p:nvPr>
+            <p:ph type="title"/>
+          </p:nvPr>
+        </p:nvSpPr>
+        <p:spPr/>
+        <p:txBody>
+          <a:bodyPr/>
+          <a:lstStyle/>
+          <a:p>
+            <a:r>
+              <a:rPr lang="tr-TR" b="1" dirty="0" err="1">
+                <a:effectLst/>
+              </a:rPr>
+              <a:t>watchman</a:t>
+            </a:r>
+            <a:endParaRPr lang="tr-TR" dirty="0"/>
+          </a:p>
+        </p:txBody>
+      </p:sp>
+      <p:sp>
+        <p:nvSpPr>
+          <p:cNvPr id="4" name="TextBox 3">
+            <a:extLst>
+              <a:ext uri="{FF2B5EF4-FFF2-40B4-BE49-F238E27FC236}">
+                <a16:creationId xmlns:a16="http://schemas.microsoft.com/office/drawing/2014/main" id="{A8A96ABD-347B-C647-AC7A-940ACD3C08ED}"/>
+              </a:ext>
+            </a:extLst>
+          </p:cNvPr>
+          <p:cNvSpPr txBox="1"/>
+          <p:nvPr/>
+        </p:nvSpPr>
+        <p:spPr>
+          <a:xfrm>
+            <a:off x="1141413" y="2191434"/>
+            <a:ext cx="9057973" cy="4247317"/>
+          </a:xfrm>
+          <a:prstGeom prst="rect">
+            <a:avLst/>
+          </a:prstGeom>
+          <a:noFill/>
+        </p:spPr>
+        <p:txBody>
+          <a:bodyPr wrap="square" rtlCol="0">
+            <a:spAutoFit/>
+          </a:bodyPr>
+          <a:lstStyle/>
+          <a:p>
+            <a:pPr marL="285750" indent="-285750">
+              <a:buFont typeface="Arial" panose="020B0604020202020204" pitchFamily="34" charset="0"/>
+              <a:buChar char="•"/>
+            </a:pPr>
+            <a:r>
+              <a:rPr lang="tr-TR" dirty="0" err="1"/>
+              <a:t>React</a:t>
+            </a:r>
+            <a:r>
+              <a:rPr lang="tr-TR" dirty="0"/>
+              <a:t> </a:t>
+            </a:r>
+            <a:r>
+              <a:rPr lang="tr-TR" dirty="0" err="1"/>
+              <a:t>Native</a:t>
+            </a:r>
+            <a:r>
+              <a:rPr lang="tr-TR" dirty="0"/>
+              <a:t> </a:t>
+            </a:r>
+            <a:r>
+              <a:rPr lang="tr-TR" dirty="0" err="1"/>
+              <a:t>uses</a:t>
+            </a:r>
+            <a:r>
+              <a:rPr lang="tr-TR" dirty="0"/>
+              <a:t> </a:t>
+            </a:r>
+            <a:r>
+              <a:rPr lang="tr-TR" dirty="0" err="1"/>
+              <a:t>watchman</a:t>
+            </a:r>
+            <a:r>
+              <a:rPr lang="tr-TR" dirty="0"/>
+              <a:t> </a:t>
+            </a:r>
+            <a:r>
+              <a:rPr lang="tr-TR" dirty="0" err="1"/>
+              <a:t>to</a:t>
+            </a:r>
+            <a:r>
+              <a:rPr lang="tr-TR" dirty="0"/>
+              <a:t> </a:t>
+            </a:r>
+            <a:r>
+              <a:rPr lang="tr-TR" dirty="0" err="1"/>
+              <a:t>detect</a:t>
+            </a:r>
+            <a:r>
+              <a:rPr lang="tr-TR" dirty="0"/>
+              <a:t> </a:t>
+            </a:r>
+            <a:r>
+              <a:rPr lang="tr-TR" dirty="0" err="1"/>
+              <a:t>when</a:t>
+            </a:r>
+            <a:r>
+              <a:rPr lang="tr-TR" dirty="0"/>
+              <a:t> </a:t>
+            </a:r>
+            <a:r>
+              <a:rPr lang="tr-TR" dirty="0" err="1"/>
+              <a:t>you've</a:t>
+            </a:r>
+            <a:r>
+              <a:rPr lang="tr-TR" dirty="0"/>
+              <a:t> </a:t>
+            </a:r>
+            <a:r>
+              <a:rPr lang="tr-TR" dirty="0" err="1"/>
+              <a:t>made</a:t>
+            </a:r>
+            <a:r>
+              <a:rPr lang="tr-TR" dirty="0"/>
+              <a:t> </a:t>
+            </a:r>
+            <a:r>
+              <a:rPr lang="tr-TR" dirty="0" err="1"/>
+              <a:t>code</a:t>
+            </a:r>
+            <a:r>
+              <a:rPr lang="tr-TR" dirty="0"/>
+              <a:t> </a:t>
+            </a:r>
+            <a:r>
+              <a:rPr lang="tr-TR" dirty="0" err="1"/>
+              <a:t>changes</a:t>
+            </a:r>
+            <a:r>
+              <a:rPr lang="tr-TR" dirty="0"/>
+              <a:t> </a:t>
+            </a:r>
+            <a:r>
+              <a:rPr lang="tr-TR" dirty="0" err="1"/>
+              <a:t>and</a:t>
+            </a:r>
+            <a:r>
+              <a:rPr lang="tr-TR" dirty="0"/>
+              <a:t> </a:t>
+            </a:r>
+            <a:r>
+              <a:rPr lang="tr-TR" dirty="0" err="1"/>
+              <a:t>then</a:t>
+            </a:r>
+            <a:r>
+              <a:rPr lang="tr-TR" dirty="0"/>
+              <a:t> </a:t>
+            </a:r>
+            <a:r>
+              <a:rPr lang="tr-TR" dirty="0" err="1"/>
+              <a:t>automatically</a:t>
+            </a:r>
+            <a:r>
+              <a:rPr lang="tr-TR" dirty="0"/>
+              <a:t> </a:t>
+            </a:r>
+            <a:r>
+              <a:rPr lang="tr-TR" dirty="0" err="1"/>
+              <a:t>build</a:t>
+            </a:r>
+            <a:r>
+              <a:rPr lang="tr-TR" dirty="0"/>
+              <a:t> </a:t>
+            </a:r>
+            <a:r>
+              <a:rPr lang="tr-TR" dirty="0" err="1"/>
+              <a:t>and</a:t>
+            </a:r>
+            <a:r>
+              <a:rPr lang="tr-TR" dirty="0"/>
+              <a:t> </a:t>
+            </a:r>
+            <a:r>
+              <a:rPr lang="tr-TR" dirty="0" err="1"/>
+              <a:t>push</a:t>
+            </a:r>
+            <a:r>
+              <a:rPr lang="tr-TR" dirty="0"/>
+              <a:t> </a:t>
+            </a:r>
+            <a:r>
+              <a:rPr lang="tr-TR" dirty="0" err="1"/>
+              <a:t>the</a:t>
+            </a:r>
+            <a:r>
+              <a:rPr lang="tr-TR" dirty="0"/>
+              <a:t> </a:t>
+            </a:r>
+            <a:r>
+              <a:rPr lang="tr-TR" dirty="0" err="1"/>
+              <a:t>update</a:t>
+            </a:r>
+            <a:r>
+              <a:rPr lang="tr-TR" dirty="0"/>
+              <a:t> </a:t>
+            </a:r>
+            <a:r>
+              <a:rPr lang="tr-TR" dirty="0" err="1"/>
+              <a:t>your</a:t>
+            </a:r>
+            <a:r>
+              <a:rPr lang="tr-TR" dirty="0"/>
+              <a:t> </a:t>
+            </a:r>
+            <a:r>
+              <a:rPr lang="tr-TR" dirty="0" err="1"/>
+              <a:t>device</a:t>
+            </a:r>
+            <a:r>
+              <a:rPr lang="tr-TR" dirty="0"/>
+              <a:t> </a:t>
+            </a:r>
+            <a:r>
+              <a:rPr lang="tr-TR" dirty="0" err="1"/>
+              <a:t>without</a:t>
+            </a:r>
+            <a:r>
+              <a:rPr lang="tr-TR" dirty="0"/>
+              <a:t> </a:t>
+            </a:r>
+            <a:r>
+              <a:rPr lang="tr-TR" dirty="0" err="1"/>
+              <a:t>you</a:t>
+            </a:r>
+            <a:r>
+              <a:rPr lang="tr-TR" dirty="0"/>
+              <a:t> </a:t>
+            </a:r>
+            <a:r>
+              <a:rPr lang="tr-TR" dirty="0" err="1"/>
+              <a:t>needing</a:t>
+            </a:r>
+            <a:r>
+              <a:rPr lang="tr-TR" dirty="0"/>
+              <a:t> </a:t>
+            </a:r>
+            <a:r>
+              <a:rPr lang="tr-TR" dirty="0" err="1"/>
+              <a:t>to</a:t>
+            </a:r>
+            <a:r>
+              <a:rPr lang="tr-TR" dirty="0"/>
+              <a:t> </a:t>
+            </a:r>
+            <a:r>
+              <a:rPr lang="tr-TR" dirty="0" err="1"/>
+              <a:t>manually</a:t>
+            </a:r>
+            <a:r>
+              <a:rPr lang="tr-TR" dirty="0"/>
+              <a:t> </a:t>
+            </a:r>
+            <a:r>
+              <a:rPr lang="tr-TR" dirty="0" err="1"/>
+              <a:t>refresh</a:t>
+            </a:r>
+            <a:r>
+              <a:rPr lang="tr-TR" dirty="0"/>
+              <a:t> it. </a:t>
+            </a:r>
+          </a:p>
+          <a:p>
+            <a:r>
+              <a:rPr lang="tr-TR" dirty="0"/>
+              <a:t> </a:t>
+            </a:r>
+          </a:p>
+          <a:p>
+            <a:pPr marL="285750" indent="-285750">
+              <a:buFont typeface="Arial" panose="020B0604020202020204" pitchFamily="34" charset="0"/>
+              <a:buChar char="•"/>
+            </a:pPr>
+            <a:r>
+              <a:rPr lang="tr-TR" dirty="0" err="1"/>
+              <a:t>More</a:t>
+            </a:r>
+            <a:r>
+              <a:rPr lang="tr-TR" dirty="0"/>
+              <a:t> </a:t>
+            </a:r>
+            <a:r>
+              <a:rPr lang="tr-TR" dirty="0" err="1"/>
+              <a:t>info</a:t>
+            </a:r>
+            <a:endParaRPr lang="tr-TR" dirty="0"/>
+          </a:p>
+          <a:p>
+            <a:pPr marL="285750" indent="-285750">
+              <a:buFont typeface="Arial" panose="020B0604020202020204" pitchFamily="34" charset="0"/>
+              <a:buChar char="•"/>
+            </a:pPr>
+            <a:endParaRPr lang="tr-TR" dirty="0"/>
+          </a:p>
+          <a:p>
+            <a:pPr marL="742950" lvl="1" indent="-285750">
+              <a:buFont typeface="Arial" panose="020B0604020202020204" pitchFamily="34" charset="0"/>
+              <a:buChar char="•"/>
+            </a:pPr>
+            <a:r>
+              <a:rPr lang="tr-TR" dirty="0">
+                <a:hlinkClick r:id="rId2"/>
+              </a:rPr>
+              <a:t>https://www.facebook.com/notes/facebook-engineering/watchman-faster-builds-with-large-source-trees/10151457195103920/</a:t>
+            </a:r>
+            <a:endParaRPr lang="tr-TR" dirty="0"/>
+          </a:p>
+          <a:p>
+            <a:pPr marL="285750" indent="-285750">
+              <a:buFont typeface="Arial" panose="020B0604020202020204" pitchFamily="34" charset="0"/>
+              <a:buChar char="•"/>
+            </a:pPr>
+            <a:endParaRPr lang="tr-TR" dirty="0"/>
+          </a:p>
+          <a:p>
+            <a:pPr marL="742950" lvl="1" indent="-285750">
+              <a:buFont typeface="Arial" panose="020B0604020202020204" pitchFamily="34" charset="0"/>
+              <a:buChar char="•"/>
+            </a:pPr>
+            <a:r>
+              <a:rPr lang="tr-TR" dirty="0">
+                <a:hlinkClick r:id="rId3"/>
+              </a:rPr>
+              <a:t>https://facebook.github.io/watchman/</a:t>
+            </a:r>
+            <a:endParaRPr lang="tr-TR" dirty="0"/>
+          </a:p>
+          <a:p>
+            <a:pPr marL="285750" indent="-285750">
+              <a:buFont typeface="Arial" panose="020B0604020202020204" pitchFamily="34" charset="0"/>
+              <a:buChar char="•"/>
+            </a:pPr>
+            <a:endParaRPr lang="tr-TR" dirty="0"/>
+          </a:p>
+          <a:p>
+            <a:endParaRPr lang="tr-TR" dirty="0"/>
+          </a:p>
+          <a:p>
+            <a:pPr marL="285750" indent="-285750">
+              <a:buFont typeface="Arial" panose="020B0604020202020204" pitchFamily="34" charset="0"/>
+              <a:buChar char="•"/>
+            </a:pPr>
+            <a:endParaRPr lang="tr-TR" dirty="0"/>
+          </a:p>
+          <a:p>
+            <a:pPr marL="285750" indent="-285750">
+              <a:buFont typeface="Arial" panose="020B0604020202020204" pitchFamily="34" charset="0"/>
+              <a:buChar char="•"/>
+            </a:pPr>
+            <a:endParaRPr lang="tr-TR" dirty="0"/>
+          </a:p>
+          <a:p>
+            <a:pPr marL="285750" indent="-285750">
+              <a:buFont typeface="Arial" panose="020B0604020202020204" pitchFamily="34" charset="0"/>
+              <a:buChar char="•"/>
+            </a:pPr>
+            <a:endParaRPr lang="tr-TR" dirty="0"/>
+          </a:p>
+        </p:txBody>
+      </p:sp>
+    </p:spTree>
+    <p:extLst>
+      <p:ext uri="{BB962C8B-B14F-4D97-AF65-F5344CB8AC3E}">
+        <p14:creationId xmlns:p14="http://schemas.microsoft.com/office/powerpoint/2010/main" val="3105032505"/>
+      </p:ext>
+    </p:extLst>
+  </p:cSld>
+  <p:clrMapOvr>
+    <a:masterClrMapping/>
+  </p:clrMapOvr>
+</p:sld>
+</file>
+
+<file path=ppt/slides/slide11.xml><?xml version="1.0" encoding="utf-8"?>
+<p:sld xmlns:a="http://schemas.openxmlformats.org/drawingml/2006/main" xmlns:r="http://schemas.openxmlformats.org/officeDocument/2006/relationships" xmlns:p="http://schemas.openxmlformats.org/presentationml/2006/main">
+  <p:cSld>
+    <p:spTree>
+      <p:nvGrpSpPr>
+        <p:cNvPr id="1" name=""/>
+        <p:cNvGrpSpPr/>
+        <p:nvPr/>
+      </p:nvGrpSpPr>
+      <p:grpSpPr>
+        <a:xfrm>
+          <a:off x="0" y="0"/>
+          <a:ext cx="0" cy="0"/>
+          <a:chOff x="0" y="0"/>
+          <a:chExt cx="0" cy="0"/>
+        </a:xfrm>
+      </p:grpSpPr>
+      <p:sp>
+        <p:nvSpPr>
+          <p:cNvPr id="2" name="Title 1">
+            <a:extLst>
+              <a:ext uri="{FF2B5EF4-FFF2-40B4-BE49-F238E27FC236}">
+                <a16:creationId xmlns:a16="http://schemas.microsoft.com/office/drawing/2014/main" id="{A569B919-B449-1E48-9015-AE22A522B1FB}"/>
+              </a:ext>
+            </a:extLst>
+          </p:cNvPr>
+          <p:cNvSpPr>
+            <a:spLocks noGrp="1"/>
+          </p:cNvSpPr>
+          <p:nvPr>
+            <p:ph type="title"/>
+          </p:nvPr>
+        </p:nvSpPr>
+        <p:spPr/>
+        <p:txBody>
+          <a:bodyPr/>
+          <a:lstStyle/>
+          <a:p>
+            <a:r>
+              <a:rPr lang="tr-TR" b="1" dirty="0" err="1">
+                <a:effectLst/>
+              </a:rPr>
+              <a:t>REACt</a:t>
+            </a:r>
+            <a:r>
+              <a:rPr lang="tr-TR" b="1" dirty="0">
+                <a:effectLst/>
+              </a:rPr>
+              <a:t> </a:t>
+            </a:r>
+            <a:r>
+              <a:rPr lang="tr-TR" b="1" dirty="0" err="1">
+                <a:effectLst/>
+              </a:rPr>
+              <a:t>natıve</a:t>
+            </a:r>
+            <a:r>
+              <a:rPr lang="tr-TR" b="1" dirty="0">
+                <a:effectLst/>
+              </a:rPr>
+              <a:t> </a:t>
+            </a:r>
+            <a:r>
+              <a:rPr lang="tr-TR" b="1" dirty="0" err="1">
+                <a:effectLst/>
+              </a:rPr>
+              <a:t>clı</a:t>
+            </a:r>
+            <a:endParaRPr lang="tr-TR" dirty="0"/>
+          </a:p>
+        </p:txBody>
+      </p:sp>
+      <p:sp>
+        <p:nvSpPr>
+          <p:cNvPr id="4" name="TextBox 3">
+            <a:extLst>
+              <a:ext uri="{FF2B5EF4-FFF2-40B4-BE49-F238E27FC236}">
+                <a16:creationId xmlns:a16="http://schemas.microsoft.com/office/drawing/2014/main" id="{A8A96ABD-347B-C647-AC7A-940ACD3C08ED}"/>
+              </a:ext>
+            </a:extLst>
+          </p:cNvPr>
+          <p:cNvSpPr txBox="1"/>
+          <p:nvPr/>
+        </p:nvSpPr>
+        <p:spPr>
+          <a:xfrm>
+            <a:off x="1141413" y="2191434"/>
+            <a:ext cx="9057973" cy="3970318"/>
+          </a:xfrm>
+          <a:prstGeom prst="rect">
+            <a:avLst/>
+          </a:prstGeom>
+          <a:noFill/>
+        </p:spPr>
+        <p:txBody>
+          <a:bodyPr wrap="square" rtlCol="0">
+            <a:spAutoFit/>
+          </a:bodyPr>
+          <a:lstStyle/>
+          <a:p>
+            <a:pPr marL="285750" indent="-285750">
+              <a:buFont typeface="Arial" panose="020B0604020202020204" pitchFamily="34" charset="0"/>
+              <a:buChar char="•"/>
+            </a:pPr>
+            <a:r>
+              <a:rPr lang="tr-TR" dirty="0"/>
+              <a:t>A </a:t>
+            </a:r>
+            <a:r>
+              <a:rPr lang="tr-TR" dirty="0" err="1"/>
+              <a:t>command</a:t>
+            </a:r>
+            <a:r>
+              <a:rPr lang="tr-TR" dirty="0"/>
+              <a:t> </a:t>
+            </a:r>
+            <a:r>
+              <a:rPr lang="tr-TR" dirty="0" err="1"/>
+              <a:t>line</a:t>
+            </a:r>
+            <a:r>
+              <a:rPr lang="tr-TR" dirty="0"/>
+              <a:t> </a:t>
+            </a:r>
+            <a:r>
+              <a:rPr lang="tr-TR" dirty="0" err="1"/>
+              <a:t>interface</a:t>
+            </a:r>
+            <a:r>
+              <a:rPr lang="tr-TR" dirty="0"/>
+              <a:t> </a:t>
+            </a:r>
+            <a:r>
+              <a:rPr lang="tr-TR" dirty="0" err="1"/>
+              <a:t>tool</a:t>
+            </a:r>
+            <a:r>
+              <a:rPr lang="tr-TR" dirty="0"/>
+              <a:t> </a:t>
+            </a:r>
+            <a:r>
+              <a:rPr lang="tr-TR" dirty="0" err="1"/>
+              <a:t>that</a:t>
+            </a:r>
+            <a:r>
+              <a:rPr lang="tr-TR" dirty="0"/>
+              <a:t> </a:t>
+            </a:r>
+            <a:r>
+              <a:rPr lang="tr-TR" dirty="0" err="1"/>
+              <a:t>seeks</a:t>
+            </a:r>
+            <a:r>
+              <a:rPr lang="tr-TR" dirty="0"/>
+              <a:t> </a:t>
+            </a:r>
+            <a:r>
+              <a:rPr lang="tr-TR" dirty="0" err="1"/>
+              <a:t>to</a:t>
+            </a:r>
+            <a:r>
+              <a:rPr lang="tr-TR" dirty="0"/>
+              <a:t> </a:t>
+            </a:r>
+            <a:r>
+              <a:rPr lang="tr-TR" dirty="0" err="1"/>
+              <a:t>automate</a:t>
+            </a:r>
+            <a:r>
+              <a:rPr lang="tr-TR" dirty="0"/>
+              <a:t> </a:t>
+            </a:r>
+            <a:r>
+              <a:rPr lang="tr-TR" dirty="0" err="1"/>
+              <a:t>some</a:t>
+            </a:r>
+            <a:r>
+              <a:rPr lang="tr-TR" dirty="0"/>
+              <a:t> </a:t>
+            </a:r>
+            <a:r>
+              <a:rPr lang="tr-TR" dirty="0" err="1"/>
+              <a:t>tasks</a:t>
+            </a:r>
+            <a:r>
+              <a:rPr lang="tr-TR" dirty="0"/>
+              <a:t> </a:t>
+            </a:r>
+            <a:r>
+              <a:rPr lang="tr-TR" dirty="0" err="1"/>
+              <a:t>when</a:t>
+            </a:r>
+            <a:r>
+              <a:rPr lang="tr-TR" dirty="0"/>
+              <a:t> </a:t>
+            </a:r>
+            <a:r>
+              <a:rPr lang="tr-TR" dirty="0" err="1"/>
+              <a:t>working</a:t>
+            </a:r>
+            <a:r>
+              <a:rPr lang="tr-TR" dirty="0"/>
+              <a:t> on a </a:t>
+            </a:r>
+            <a:r>
+              <a:rPr lang="tr-TR" dirty="0" err="1"/>
+              <a:t>React.js</a:t>
+            </a:r>
+            <a:r>
+              <a:rPr lang="tr-TR" dirty="0"/>
+              <a:t> </a:t>
+            </a:r>
+            <a:r>
+              <a:rPr lang="tr-TR" dirty="0" err="1"/>
+              <a:t>project</a:t>
+            </a:r>
+            <a:r>
+              <a:rPr lang="tr-TR" dirty="0"/>
+              <a:t>.</a:t>
+            </a:r>
+          </a:p>
+          <a:p>
+            <a:pPr marL="285750" indent="-285750">
+              <a:buFont typeface="Arial" panose="020B0604020202020204" pitchFamily="34" charset="0"/>
+              <a:buChar char="•"/>
+            </a:pPr>
+            <a:endParaRPr lang="tr-TR" dirty="0"/>
+          </a:p>
+          <a:p>
+            <a:pPr marL="285750" indent="-285750">
+              <a:buFont typeface="Arial" panose="020B0604020202020204" pitchFamily="34" charset="0"/>
+              <a:buChar char="•"/>
+            </a:pPr>
+            <a:r>
+              <a:rPr lang="tr-TR" dirty="0" err="1"/>
+              <a:t>React</a:t>
+            </a:r>
+            <a:r>
+              <a:rPr lang="tr-TR" dirty="0"/>
+              <a:t> </a:t>
+            </a:r>
+            <a:r>
+              <a:rPr lang="tr-TR" dirty="0" err="1"/>
+              <a:t>Native</a:t>
+            </a:r>
+            <a:r>
+              <a:rPr lang="tr-TR" dirty="0"/>
+              <a:t> has a </a:t>
+            </a:r>
+            <a:r>
+              <a:rPr lang="tr-TR" dirty="0" err="1"/>
+              <a:t>local</a:t>
+            </a:r>
+            <a:r>
+              <a:rPr lang="tr-TR" dirty="0"/>
+              <a:t>-cli </a:t>
+            </a:r>
+            <a:r>
+              <a:rPr lang="tr-TR" dirty="0" err="1"/>
+              <a:t>folder</a:t>
+            </a:r>
+            <a:r>
+              <a:rPr lang="tr-TR" dirty="0"/>
+              <a:t> </a:t>
+            </a:r>
+            <a:r>
+              <a:rPr lang="tr-TR" dirty="0" err="1"/>
+              <a:t>with</a:t>
+            </a:r>
+            <a:r>
+              <a:rPr lang="tr-TR" dirty="0"/>
+              <a:t> a file </a:t>
+            </a:r>
+            <a:r>
+              <a:rPr lang="tr-TR" dirty="0" err="1"/>
+              <a:t>named</a:t>
+            </a:r>
+            <a:r>
+              <a:rPr lang="tr-TR" dirty="0"/>
+              <a:t> </a:t>
+            </a:r>
+            <a:r>
+              <a:rPr lang="tr-TR" b="1" dirty="0" err="1"/>
+              <a:t>cliEntry.js</a:t>
+            </a:r>
+            <a:r>
+              <a:rPr lang="tr-TR" dirty="0"/>
+              <a:t>. Here, </a:t>
+            </a:r>
+            <a:r>
+              <a:rPr lang="tr-TR" dirty="0" err="1"/>
+              <a:t>the</a:t>
+            </a:r>
+            <a:r>
+              <a:rPr lang="tr-TR" dirty="0"/>
+              <a:t> </a:t>
+            </a:r>
+            <a:r>
+              <a:rPr lang="tr-TR" dirty="0" err="1"/>
+              <a:t>commands</a:t>
+            </a:r>
+            <a:r>
+              <a:rPr lang="tr-TR" dirty="0"/>
+              <a:t> </a:t>
+            </a:r>
+            <a:r>
+              <a:rPr lang="tr-TR" dirty="0" err="1"/>
+              <a:t>are</a:t>
+            </a:r>
+            <a:r>
+              <a:rPr lang="tr-TR" dirty="0"/>
+              <a:t> </a:t>
+            </a:r>
+            <a:r>
+              <a:rPr lang="tr-TR" dirty="0" err="1"/>
+              <a:t>read</a:t>
+            </a:r>
+            <a:r>
+              <a:rPr lang="tr-TR" dirty="0"/>
+              <a:t> </a:t>
+            </a:r>
+            <a:r>
+              <a:rPr lang="tr-TR" dirty="0" err="1"/>
+              <a:t>from</a:t>
+            </a:r>
+            <a:r>
+              <a:rPr lang="tr-TR" dirty="0"/>
+              <a:t> </a:t>
+            </a:r>
+            <a:r>
+              <a:rPr lang="tr-TR" b="1" dirty="0" err="1"/>
+              <a:t>commands.js</a:t>
+            </a:r>
+            <a:r>
+              <a:rPr lang="tr-TR" b="1" dirty="0"/>
+              <a:t> </a:t>
+            </a:r>
+            <a:r>
+              <a:rPr lang="tr-TR" dirty="0" err="1"/>
+              <a:t>and</a:t>
+            </a:r>
+            <a:r>
+              <a:rPr lang="tr-TR" dirty="0"/>
+              <a:t> </a:t>
+            </a:r>
+            <a:r>
+              <a:rPr lang="tr-TR" dirty="0" err="1"/>
+              <a:t>added</a:t>
+            </a:r>
+            <a:r>
+              <a:rPr lang="tr-TR" dirty="0"/>
+              <a:t> as </a:t>
+            </a:r>
+            <a:r>
+              <a:rPr lang="tr-TR" dirty="0" err="1"/>
+              <a:t>possible</a:t>
+            </a:r>
+            <a:r>
+              <a:rPr lang="tr-TR" dirty="0"/>
+              <a:t> CLI </a:t>
+            </a:r>
+            <a:r>
+              <a:rPr lang="tr-TR" dirty="0" err="1"/>
+              <a:t>commands</a:t>
+            </a:r>
+            <a:r>
+              <a:rPr lang="tr-TR" dirty="0"/>
+              <a:t>. E.G. </a:t>
+            </a:r>
+            <a:r>
+              <a:rPr lang="tr-TR" dirty="0" err="1"/>
+              <a:t>the</a:t>
+            </a:r>
+            <a:r>
+              <a:rPr lang="tr-TR" dirty="0"/>
+              <a:t> </a:t>
+            </a:r>
+            <a:r>
+              <a:rPr lang="tr-TR" dirty="0" err="1"/>
+              <a:t>react-native</a:t>
+            </a:r>
+            <a:r>
+              <a:rPr lang="tr-TR" dirty="0"/>
+              <a:t> link </a:t>
+            </a:r>
+            <a:r>
+              <a:rPr lang="tr-TR" dirty="0" err="1"/>
+              <a:t>command</a:t>
+            </a:r>
+            <a:r>
+              <a:rPr lang="tr-TR" dirty="0"/>
+              <a:t>, </a:t>
+            </a:r>
+            <a:r>
+              <a:rPr lang="tr-TR" dirty="0" err="1"/>
+              <a:t>exists</a:t>
+            </a:r>
+            <a:r>
+              <a:rPr lang="tr-TR" dirty="0"/>
+              <a:t> in </a:t>
+            </a:r>
+            <a:r>
+              <a:rPr lang="tr-TR" dirty="0" err="1"/>
+              <a:t>the</a:t>
+            </a:r>
+            <a:r>
+              <a:rPr lang="tr-TR" dirty="0"/>
+              <a:t> </a:t>
+            </a:r>
+            <a:r>
+              <a:rPr lang="tr-TR" b="1" dirty="0" err="1"/>
+              <a:t>react-native</a:t>
+            </a:r>
+            <a:r>
+              <a:rPr lang="tr-TR" b="1" dirty="0"/>
+              <a:t>/</a:t>
+            </a:r>
+            <a:r>
+              <a:rPr lang="tr-TR" b="1" dirty="0" err="1"/>
+              <a:t>local</a:t>
+            </a:r>
+            <a:r>
+              <a:rPr lang="tr-TR" b="1" dirty="0"/>
+              <a:t>-cli/link </a:t>
+            </a:r>
+            <a:r>
+              <a:rPr lang="tr-TR" dirty="0" err="1"/>
+              <a:t>folder</a:t>
+            </a:r>
+            <a:r>
+              <a:rPr lang="tr-TR" dirty="0"/>
+              <a:t>, </a:t>
+            </a:r>
+            <a:r>
+              <a:rPr lang="tr-TR" dirty="0" err="1"/>
+              <a:t>and</a:t>
+            </a:r>
+            <a:r>
+              <a:rPr lang="tr-TR" dirty="0"/>
+              <a:t> is </a:t>
+            </a:r>
+            <a:r>
+              <a:rPr lang="tr-TR" dirty="0" err="1"/>
+              <a:t>required</a:t>
+            </a:r>
+            <a:r>
+              <a:rPr lang="tr-TR" dirty="0"/>
+              <a:t> in </a:t>
+            </a:r>
+            <a:r>
+              <a:rPr lang="tr-TR" dirty="0" err="1"/>
+              <a:t>commands.js</a:t>
+            </a:r>
+            <a:r>
+              <a:rPr lang="tr-TR" dirty="0"/>
+              <a:t>, </a:t>
+            </a:r>
+            <a:r>
+              <a:rPr lang="tr-TR" dirty="0" err="1"/>
+              <a:t>which</a:t>
+            </a:r>
+            <a:r>
+              <a:rPr lang="tr-TR" dirty="0"/>
+              <a:t> </a:t>
+            </a:r>
+            <a:r>
+              <a:rPr lang="tr-TR" dirty="0" err="1"/>
+              <a:t>will</a:t>
+            </a:r>
+            <a:r>
+              <a:rPr lang="tr-TR" dirty="0"/>
+              <a:t> </a:t>
+            </a:r>
+            <a:r>
+              <a:rPr lang="tr-TR" dirty="0" err="1"/>
+              <a:t>register</a:t>
+            </a:r>
+            <a:r>
+              <a:rPr lang="tr-TR" dirty="0"/>
+              <a:t> it as a </a:t>
+            </a:r>
+            <a:r>
+              <a:rPr lang="tr-TR" dirty="0" err="1"/>
+              <a:t>documented</a:t>
+            </a:r>
+            <a:r>
+              <a:rPr lang="tr-TR" dirty="0"/>
+              <a:t> </a:t>
+            </a:r>
+            <a:r>
+              <a:rPr lang="tr-TR" dirty="0" err="1"/>
+              <a:t>command</a:t>
+            </a:r>
+            <a:r>
+              <a:rPr lang="tr-TR" dirty="0"/>
+              <a:t> </a:t>
+            </a:r>
+            <a:r>
+              <a:rPr lang="tr-TR" dirty="0" err="1"/>
+              <a:t>to</a:t>
+            </a:r>
+            <a:r>
+              <a:rPr lang="tr-TR" dirty="0"/>
+              <a:t> be </a:t>
+            </a:r>
+            <a:r>
+              <a:rPr lang="tr-TR" dirty="0" err="1"/>
+              <a:t>exposed</a:t>
+            </a:r>
+            <a:r>
+              <a:rPr lang="tr-TR" dirty="0"/>
+              <a:t> </a:t>
+            </a:r>
+            <a:r>
+              <a:rPr lang="tr-TR" dirty="0" err="1"/>
+              <a:t>to</a:t>
+            </a:r>
+            <a:r>
+              <a:rPr lang="tr-TR" dirty="0"/>
+              <a:t> </a:t>
+            </a:r>
+            <a:r>
+              <a:rPr lang="tr-TR" dirty="0" err="1"/>
+              <a:t>the</a:t>
+            </a:r>
+            <a:r>
+              <a:rPr lang="tr-TR" dirty="0"/>
+              <a:t> CLI.</a:t>
+            </a:r>
+          </a:p>
+          <a:p>
+            <a:pPr marL="285750" indent="-285750">
+              <a:buFont typeface="Arial" panose="020B0604020202020204" pitchFamily="34" charset="0"/>
+              <a:buChar char="•"/>
+            </a:pPr>
+            <a:endParaRPr lang="tr-TR" dirty="0"/>
+          </a:p>
+          <a:p>
+            <a:pPr marL="285750" indent="-285750">
+              <a:buFont typeface="Arial" panose="020B0604020202020204" pitchFamily="34" charset="0"/>
+              <a:buChar char="•"/>
+            </a:pPr>
+            <a:r>
+              <a:rPr lang="tr-TR" dirty="0">
+                <a:hlinkClick r:id="rId2"/>
+              </a:rPr>
+              <a:t>https://facebook.github.io/react-native/docs/understanding-cli</a:t>
+            </a:r>
+            <a:endParaRPr lang="tr-TR" dirty="0"/>
+          </a:p>
+          <a:p>
+            <a:pPr marL="285750" indent="-285750">
+              <a:buFont typeface="Arial" panose="020B0604020202020204" pitchFamily="34" charset="0"/>
+              <a:buChar char="•"/>
+            </a:pPr>
+            <a:endParaRPr lang="tr-TR" dirty="0"/>
+          </a:p>
+          <a:p>
+            <a:endParaRPr lang="tr-TR" dirty="0"/>
+          </a:p>
+          <a:p>
+            <a:pPr marL="285750" indent="-285750">
+              <a:buFont typeface="Arial" panose="020B0604020202020204" pitchFamily="34" charset="0"/>
+              <a:buChar char="•"/>
+            </a:pPr>
+            <a:endParaRPr lang="tr-TR" dirty="0"/>
+          </a:p>
+          <a:p>
+            <a:pPr marL="285750" indent="-285750">
+              <a:buFont typeface="Arial" panose="020B0604020202020204" pitchFamily="34" charset="0"/>
+              <a:buChar char="•"/>
+            </a:pPr>
+            <a:endParaRPr lang="tr-TR" dirty="0"/>
+          </a:p>
+        </p:txBody>
+      </p:sp>
+    </p:spTree>
+    <p:extLst>
+      <p:ext uri="{BB962C8B-B14F-4D97-AF65-F5344CB8AC3E}">
+        <p14:creationId xmlns:p14="http://schemas.microsoft.com/office/powerpoint/2010/main" val="487586864"/>
+      </p:ext>
+    </p:extLst>
+  </p:cSld>
+  <p:clrMapOvr>
+    <a:masterClrMapping/>
+  </p:clrMapOvr>
+</p:sld>
+</file>
+
+<file path=ppt/slides/slide12.xml><?xml version="1.0" encoding="utf-8"?>
+<p:sld xmlns:a="http://schemas.openxmlformats.org/drawingml/2006/main" xmlns:r="http://schemas.openxmlformats.org/officeDocument/2006/relationships" xmlns:p="http://schemas.openxmlformats.org/presentationml/2006/main">
+  <p:cSld>
+    <p:spTree>
+      <p:nvGrpSpPr>
+        <p:cNvPr id="1" name=""/>
+        <p:cNvGrpSpPr/>
+        <p:nvPr/>
+      </p:nvGrpSpPr>
+      <p:grpSpPr>
+        <a:xfrm>
+          <a:off x="0" y="0"/>
+          <a:ext cx="0" cy="0"/>
+          <a:chOff x="0" y="0"/>
+          <a:chExt cx="0" cy="0"/>
+        </a:xfrm>
+      </p:grpSpPr>
+      <p:sp>
+        <p:nvSpPr>
+          <p:cNvPr id="2" name="Title 1">
+            <a:extLst>
+              <a:ext uri="{FF2B5EF4-FFF2-40B4-BE49-F238E27FC236}">
+                <a16:creationId xmlns:a16="http://schemas.microsoft.com/office/drawing/2014/main" id="{7B1061A3-28A3-6F45-B1ED-13FDCD099704}"/>
+              </a:ext>
+            </a:extLst>
+          </p:cNvPr>
+          <p:cNvSpPr>
+            <a:spLocks noGrp="1"/>
+          </p:cNvSpPr>
+          <p:nvPr>
+            <p:ph type="title"/>
+          </p:nvPr>
+        </p:nvSpPr>
+        <p:spPr/>
+        <p:txBody>
+          <a:bodyPr/>
+          <a:lstStyle/>
+          <a:p>
+            <a:r>
+              <a:rPr lang="tr-TR" dirty="0" err="1"/>
+              <a:t>COMMANDs</a:t>
+            </a:r>
+            <a:endParaRPr lang="tr-TR" dirty="0"/>
+          </a:p>
+        </p:txBody>
+      </p:sp>
+      <p:sp>
+        <p:nvSpPr>
+          <p:cNvPr id="4" name="TextBox 3">
+            <a:extLst>
+              <a:ext uri="{FF2B5EF4-FFF2-40B4-BE49-F238E27FC236}">
+                <a16:creationId xmlns:a16="http://schemas.microsoft.com/office/drawing/2014/main" id="{3235FEF0-043C-C34E-896F-DC5C32C7384C}"/>
+              </a:ext>
+            </a:extLst>
+          </p:cNvPr>
+          <p:cNvSpPr txBox="1"/>
+          <p:nvPr/>
+        </p:nvSpPr>
+        <p:spPr>
+          <a:xfrm>
+            <a:off x="1254868" y="2373549"/>
+            <a:ext cx="9883301" cy="3693319"/>
+          </a:xfrm>
+          <a:prstGeom prst="rect">
+            <a:avLst/>
+          </a:prstGeom>
+          <a:noFill/>
+        </p:spPr>
+        <p:txBody>
+          <a:bodyPr wrap="square" rtlCol="0">
+            <a:spAutoFit/>
+          </a:bodyPr>
+          <a:lstStyle/>
+          <a:p>
+            <a:pPr marL="285750" indent="-285750">
+              <a:buFontTx/>
+              <a:buChar char="-"/>
+            </a:pPr>
+            <a:r>
+              <a:rPr lang="tr-TR" b="1" i="1" dirty="0" err="1"/>
+              <a:t>brew</a:t>
+            </a:r>
+            <a:r>
+              <a:rPr lang="tr-TR" b="1" i="1" dirty="0"/>
+              <a:t> </a:t>
+            </a:r>
+            <a:r>
+              <a:rPr lang="tr-TR" b="1" i="1" dirty="0" err="1"/>
+              <a:t>update</a:t>
+            </a:r>
+            <a:r>
+              <a:rPr lang="tr-TR" b="1" i="1" dirty="0"/>
+              <a:t> </a:t>
+            </a:r>
+            <a:r>
+              <a:rPr lang="tr-TR" dirty="0"/>
+              <a:t>( </a:t>
+            </a:r>
+            <a:r>
+              <a:rPr lang="tr-TR" dirty="0" err="1"/>
+              <a:t>for</a:t>
+            </a:r>
+            <a:r>
+              <a:rPr lang="tr-TR" dirty="0"/>
+              <a:t> </a:t>
+            </a:r>
+            <a:r>
+              <a:rPr lang="tr-TR" dirty="0" err="1"/>
+              <a:t>install</a:t>
+            </a:r>
+            <a:r>
+              <a:rPr lang="tr-TR" dirty="0"/>
+              <a:t> </a:t>
+            </a:r>
+            <a:r>
+              <a:rPr lang="tr-TR" dirty="0">
+                <a:hlinkClick r:id="rId2"/>
+              </a:rPr>
+              <a:t>https://docs.brew.sh/Installation</a:t>
+            </a:r>
+            <a:r>
+              <a:rPr lang="tr-TR" dirty="0"/>
+              <a:t> )</a:t>
+            </a:r>
+          </a:p>
+          <a:p>
+            <a:pPr marL="285750" indent="-285750">
+              <a:buFontTx/>
+              <a:buChar char="-"/>
+            </a:pPr>
+            <a:r>
+              <a:rPr lang="tr-TR" b="1" i="1" dirty="0" err="1"/>
+              <a:t>brew</a:t>
+            </a:r>
+            <a:r>
+              <a:rPr lang="tr-TR" b="1" i="1" dirty="0"/>
+              <a:t> </a:t>
+            </a:r>
+            <a:r>
+              <a:rPr lang="tr-TR" b="1" i="1" dirty="0" err="1"/>
+              <a:t>Install</a:t>
+            </a:r>
+            <a:r>
+              <a:rPr lang="tr-TR" b="1" i="1" dirty="0"/>
+              <a:t> </a:t>
+            </a:r>
+            <a:r>
+              <a:rPr lang="tr-TR" b="1" i="1" dirty="0" err="1"/>
+              <a:t>node</a:t>
+            </a:r>
+            <a:r>
+              <a:rPr lang="tr-TR" b="1" i="1" dirty="0"/>
+              <a:t> </a:t>
+            </a:r>
+            <a:r>
+              <a:rPr lang="tr-TR" dirty="0"/>
+              <a:t>( </a:t>
+            </a:r>
+            <a:r>
+              <a:rPr lang="tr-TR" dirty="0" err="1"/>
+              <a:t>for</a:t>
+            </a:r>
+            <a:r>
+              <a:rPr lang="tr-TR" dirty="0"/>
+              <a:t> </a:t>
+            </a:r>
+            <a:r>
+              <a:rPr lang="tr-TR" dirty="0" err="1"/>
+              <a:t>confirm</a:t>
+            </a:r>
+            <a:r>
+              <a:rPr lang="tr-TR" dirty="0"/>
+              <a:t> </a:t>
+            </a:r>
+            <a:r>
+              <a:rPr lang="tr-TR" b="1" i="1" dirty="0" err="1"/>
+              <a:t>node</a:t>
+            </a:r>
+            <a:r>
+              <a:rPr lang="tr-TR" b="1" i="1" dirty="0"/>
+              <a:t> –v</a:t>
+            </a:r>
+            <a:r>
+              <a:rPr lang="tr-TR" dirty="0"/>
+              <a:t> )</a:t>
+            </a:r>
+          </a:p>
+          <a:p>
+            <a:pPr marL="285750" indent="-285750">
+              <a:buFontTx/>
+              <a:buChar char="-"/>
+            </a:pPr>
+            <a:r>
+              <a:rPr lang="tr-TR" b="1" i="1" dirty="0" err="1"/>
+              <a:t>brew</a:t>
+            </a:r>
+            <a:r>
+              <a:rPr lang="tr-TR" b="1" i="1" dirty="0"/>
+              <a:t> </a:t>
+            </a:r>
+            <a:r>
+              <a:rPr lang="tr-TR" b="1" i="1" dirty="0" err="1"/>
+              <a:t>install</a:t>
+            </a:r>
+            <a:r>
+              <a:rPr lang="tr-TR" b="1" i="1" dirty="0"/>
+              <a:t> </a:t>
+            </a:r>
+            <a:r>
+              <a:rPr lang="tr-TR" b="1" i="1" dirty="0" err="1"/>
+              <a:t>watchman</a:t>
+            </a:r>
+            <a:r>
+              <a:rPr lang="tr-TR" dirty="0"/>
+              <a:t> </a:t>
+            </a:r>
+          </a:p>
+          <a:p>
+            <a:pPr marL="285750" indent="-285750">
+              <a:buFontTx/>
+              <a:buChar char="-"/>
+            </a:pPr>
+            <a:r>
+              <a:rPr lang="tr-TR" b="1" i="1" dirty="0" err="1"/>
+              <a:t>npm</a:t>
+            </a:r>
+            <a:r>
+              <a:rPr lang="tr-TR" b="1" i="1" dirty="0"/>
+              <a:t> </a:t>
+            </a:r>
+            <a:r>
+              <a:rPr lang="tr-TR" b="1" i="1" dirty="0" err="1"/>
+              <a:t>install</a:t>
+            </a:r>
+            <a:r>
+              <a:rPr lang="tr-TR" b="1" i="1" dirty="0"/>
+              <a:t> -g </a:t>
+            </a:r>
+            <a:r>
+              <a:rPr lang="tr-TR" b="1" i="1" dirty="0" err="1"/>
+              <a:t>react</a:t>
+            </a:r>
+            <a:r>
+              <a:rPr lang="tr-TR" b="1" i="1" dirty="0"/>
+              <a:t>-</a:t>
+            </a:r>
+            <a:r>
+              <a:rPr lang="tr-TR" b="1" i="1" dirty="0" err="1"/>
+              <a:t>native</a:t>
+            </a:r>
+            <a:r>
+              <a:rPr lang="tr-TR" b="1" i="1" dirty="0"/>
+              <a:t>-cli</a:t>
+            </a:r>
+          </a:p>
+          <a:p>
+            <a:pPr marL="285750" indent="-285750">
+              <a:buFontTx/>
+              <a:buChar char="-"/>
+            </a:pPr>
+            <a:r>
+              <a:rPr lang="tr-TR" b="1" i="1" dirty="0" err="1"/>
+              <a:t>npm</a:t>
+            </a:r>
+            <a:r>
+              <a:rPr lang="tr-TR" b="1" i="1" dirty="0"/>
+              <a:t> </a:t>
+            </a:r>
+            <a:r>
+              <a:rPr lang="tr-TR" b="1" i="1" dirty="0" err="1"/>
+              <a:t>install</a:t>
+            </a:r>
+            <a:r>
+              <a:rPr lang="tr-TR" b="1" i="1" dirty="0"/>
+              <a:t> -g </a:t>
+            </a:r>
+            <a:r>
+              <a:rPr lang="tr-TR" b="1" i="1" dirty="0" err="1"/>
+              <a:t>eslint</a:t>
+            </a:r>
+            <a:endParaRPr lang="tr-TR" b="1" i="1" dirty="0"/>
+          </a:p>
+          <a:p>
+            <a:pPr marL="285750" indent="-285750">
+              <a:buFontTx/>
+              <a:buChar char="-"/>
+            </a:pPr>
+            <a:r>
+              <a:rPr lang="tr-TR" b="1" i="1" dirty="0" err="1"/>
+              <a:t>react-native</a:t>
+            </a:r>
+            <a:r>
+              <a:rPr lang="tr-TR" b="1" i="1" dirty="0"/>
+              <a:t> </a:t>
+            </a:r>
+            <a:r>
+              <a:rPr lang="tr-TR" b="1" i="1" dirty="0" err="1"/>
+              <a:t>init</a:t>
+            </a:r>
+            <a:r>
+              <a:rPr lang="tr-TR" b="1" i="1" dirty="0"/>
+              <a:t> </a:t>
+            </a:r>
+            <a:r>
+              <a:rPr lang="tr-TR" b="1" i="1" dirty="0" err="1"/>
+              <a:t>Project_name</a:t>
+            </a:r>
+            <a:endParaRPr lang="tr-TR" b="1" i="1" dirty="0"/>
+          </a:p>
+          <a:p>
+            <a:pPr marL="285750" indent="-285750">
+              <a:buFontTx/>
+              <a:buChar char="-"/>
+            </a:pPr>
+            <a:r>
+              <a:rPr lang="tr-TR" b="1" i="1" dirty="0" err="1"/>
+              <a:t>react-native</a:t>
+            </a:r>
+            <a:r>
+              <a:rPr lang="tr-TR" b="1" i="1" dirty="0"/>
+              <a:t> </a:t>
+            </a:r>
+            <a:r>
+              <a:rPr lang="tr-TR" b="1" i="1" dirty="0" err="1"/>
+              <a:t>run-ios</a:t>
+            </a:r>
+            <a:r>
+              <a:rPr lang="tr-TR" b="1" i="1" dirty="0"/>
+              <a:t> </a:t>
+            </a:r>
+            <a:r>
+              <a:rPr lang="tr-TR" dirty="0" err="1"/>
+              <a:t>or</a:t>
+            </a:r>
+            <a:r>
+              <a:rPr lang="tr-TR" dirty="0"/>
+              <a:t> </a:t>
+            </a:r>
+            <a:r>
+              <a:rPr lang="tr-TR" b="1" i="1" dirty="0" err="1"/>
+              <a:t>react-native</a:t>
+            </a:r>
+            <a:r>
+              <a:rPr lang="tr-TR" b="1" i="1" dirty="0"/>
+              <a:t> </a:t>
+            </a:r>
+            <a:r>
+              <a:rPr lang="tr-TR" b="1" i="1" dirty="0" err="1"/>
+              <a:t>run-android</a:t>
+            </a:r>
+            <a:endParaRPr lang="tr-TR" b="1" i="1" dirty="0"/>
+          </a:p>
+          <a:p>
+            <a:pPr marL="285750" indent="-285750">
+              <a:buFontTx/>
+              <a:buChar char="-"/>
+            </a:pPr>
+            <a:endParaRPr lang="tr-TR" dirty="0"/>
+          </a:p>
+          <a:p>
+            <a:pPr marL="285750" indent="-285750">
+              <a:buFontTx/>
+              <a:buChar char="-"/>
+            </a:pPr>
+            <a:endParaRPr lang="tr-TR" dirty="0"/>
+          </a:p>
+          <a:p>
+            <a:pPr marL="285750" indent="-285750">
+              <a:buFontTx/>
+              <a:buChar char="-"/>
+            </a:pPr>
+            <a:endParaRPr lang="tr-TR" dirty="0"/>
+          </a:p>
+          <a:p>
+            <a:pPr marL="285750" indent="-285750">
+              <a:buFontTx/>
+              <a:buChar char="-"/>
+            </a:pPr>
+            <a:endParaRPr lang="tr-TR" dirty="0"/>
+          </a:p>
+          <a:p>
+            <a:pPr marL="285750" indent="-285750">
+              <a:buFontTx/>
+              <a:buChar char="-"/>
+            </a:pPr>
+            <a:endParaRPr lang="tr-TR" dirty="0"/>
+          </a:p>
+          <a:p>
+            <a:endParaRPr lang="tr-TR" dirty="0"/>
+          </a:p>
+        </p:txBody>
+      </p:sp>
+    </p:spTree>
+    <p:extLst>
+      <p:ext uri="{BB962C8B-B14F-4D97-AF65-F5344CB8AC3E}">
+        <p14:creationId xmlns:p14="http://schemas.microsoft.com/office/powerpoint/2010/main" val="3055697979"/>
+      </p:ext>
+    </p:extLst>
+  </p:cSld>
+  <p:clrMapOvr>
+    <a:masterClrMapping/>
+  </p:clrMapOvr>
+</p:sld>
+</file>
+
+<file path=ppt/slides/slide13.xml><?xml version="1.0" encoding="utf-8"?>
+<p:sld xmlns:a="http://schemas.openxmlformats.org/drawingml/2006/main" xmlns:r="http://schemas.openxmlformats.org/officeDocument/2006/relationships" xmlns:p="http://schemas.openxmlformats.org/presentationml/2006/main">
+  <p:cSld>
+    <p:spTree>
+      <p:nvGrpSpPr>
+        <p:cNvPr id="1" name=""/>
+        <p:cNvGrpSpPr/>
+        <p:nvPr/>
+      </p:nvGrpSpPr>
+      <p:grpSpPr>
+        <a:xfrm>
+          <a:off x="0" y="0"/>
+          <a:ext cx="0" cy="0"/>
+          <a:chOff x="0" y="0"/>
+          <a:chExt cx="0" cy="0"/>
+        </a:xfrm>
+      </p:grpSpPr>
+      <p:sp>
+        <p:nvSpPr>
+          <p:cNvPr id="2" name="Title 1">
+            <a:extLst>
+              <a:ext uri="{FF2B5EF4-FFF2-40B4-BE49-F238E27FC236}">
+                <a16:creationId xmlns:a16="http://schemas.microsoft.com/office/drawing/2014/main" id="{B18EF2D7-6783-5948-B117-926AA37799A6}"/>
+              </a:ext>
+            </a:extLst>
+          </p:cNvPr>
+          <p:cNvSpPr>
+            <a:spLocks noGrp="1"/>
+          </p:cNvSpPr>
+          <p:nvPr>
+            <p:ph type="title"/>
+          </p:nvPr>
+        </p:nvSpPr>
+        <p:spPr/>
+        <p:txBody>
+          <a:bodyPr/>
+          <a:lstStyle/>
+          <a:p>
+            <a:r>
+              <a:rPr lang="tr-TR" dirty="0" err="1"/>
+              <a:t>troubleshoots</a:t>
+            </a:r>
+            <a:endParaRPr lang="tr-TR" dirty="0"/>
+          </a:p>
+        </p:txBody>
+      </p:sp>
+      <p:sp>
+        <p:nvSpPr>
+          <p:cNvPr id="4" name="TextBox 3">
+            <a:extLst>
+              <a:ext uri="{FF2B5EF4-FFF2-40B4-BE49-F238E27FC236}">
+                <a16:creationId xmlns:a16="http://schemas.microsoft.com/office/drawing/2014/main" id="{FCAE31B6-ADE4-5E42-8DB6-07998A6899C2}"/>
+              </a:ext>
+            </a:extLst>
+          </p:cNvPr>
+          <p:cNvSpPr txBox="1"/>
+          <p:nvPr/>
+        </p:nvSpPr>
+        <p:spPr>
+          <a:xfrm>
+            <a:off x="1141413" y="2514600"/>
+            <a:ext cx="10658238" cy="1477328"/>
+          </a:xfrm>
+          <a:prstGeom prst="rect">
+            <a:avLst/>
+          </a:prstGeom>
+          <a:noFill/>
+        </p:spPr>
+        <p:txBody>
+          <a:bodyPr wrap="square" rtlCol="0">
+            <a:spAutoFit/>
+          </a:bodyPr>
+          <a:lstStyle/>
+          <a:p>
+            <a:pPr marL="285750" indent="-285750">
+              <a:buFont typeface="Arial" panose="020B0604020202020204" pitchFamily="34" charset="0"/>
+              <a:buChar char="•"/>
+            </a:pPr>
+            <a:r>
+              <a:rPr lang="tr-TR" dirty="0"/>
+              <a:t>At </a:t>
+            </a:r>
+            <a:r>
+              <a:rPr lang="tr-TR" dirty="0" err="1"/>
+              <a:t>the</a:t>
+            </a:r>
+            <a:r>
+              <a:rPr lang="tr-TR" dirty="0"/>
+              <a:t> </a:t>
+            </a:r>
+            <a:r>
+              <a:rPr lang="tr-TR" dirty="0" err="1"/>
+              <a:t>begining</a:t>
+            </a:r>
+            <a:r>
+              <a:rPr lang="tr-TR" dirty="0"/>
+              <a:t>, </a:t>
+            </a:r>
+            <a:r>
+              <a:rPr lang="tr-TR" dirty="0" err="1"/>
+              <a:t>sometimes</a:t>
+            </a:r>
+            <a:r>
+              <a:rPr lang="tr-TR" dirty="0"/>
+              <a:t> </a:t>
+            </a:r>
+            <a:r>
+              <a:rPr lang="tr-TR" dirty="0" err="1"/>
+              <a:t>ios</a:t>
+            </a:r>
+            <a:r>
+              <a:rPr lang="tr-TR" dirty="0"/>
+              <a:t> </a:t>
+            </a:r>
+            <a:r>
+              <a:rPr lang="tr-TR" dirty="0" err="1"/>
+              <a:t>project</a:t>
+            </a:r>
+            <a:r>
+              <a:rPr lang="tr-TR" dirty="0"/>
+              <a:t> </a:t>
+            </a:r>
+            <a:r>
+              <a:rPr lang="tr-TR" dirty="0" err="1"/>
+              <a:t>may</a:t>
+            </a:r>
+            <a:r>
+              <a:rPr lang="tr-TR" dirty="0"/>
+              <a:t> not </a:t>
+            </a:r>
+            <a:r>
+              <a:rPr lang="tr-TR" dirty="0" err="1"/>
+              <a:t>work</a:t>
+            </a:r>
+            <a:r>
+              <a:rPr lang="tr-TR" dirty="0"/>
+              <a:t> </a:t>
+            </a:r>
+            <a:r>
+              <a:rPr lang="tr-TR" dirty="0" err="1"/>
+              <a:t>because</a:t>
+            </a:r>
+            <a:r>
+              <a:rPr lang="tr-TR" dirty="0"/>
+              <a:t> of </a:t>
+            </a:r>
+            <a:r>
+              <a:rPr lang="tr-TR" dirty="0" err="1"/>
+              <a:t>commandline</a:t>
+            </a:r>
+            <a:r>
+              <a:rPr lang="tr-TR" dirty="0"/>
+              <a:t> </a:t>
+            </a:r>
+            <a:r>
+              <a:rPr lang="tr-TR" dirty="0" err="1"/>
+              <a:t>location</a:t>
+            </a:r>
+            <a:r>
+              <a:rPr lang="tr-TR" dirty="0"/>
+              <a:t> </a:t>
+            </a:r>
+            <a:r>
+              <a:rPr lang="tr-TR" dirty="0" err="1"/>
+              <a:t>xcode</a:t>
+            </a:r>
+            <a:endParaRPr lang="tr-TR" dirty="0"/>
+          </a:p>
+          <a:p>
+            <a:pPr marL="285750" indent="-285750">
+              <a:buFont typeface="Arial" panose="020B0604020202020204" pitchFamily="34" charset="0"/>
+              <a:buChar char="•"/>
+            </a:pPr>
+            <a:endParaRPr lang="tr-TR" dirty="0"/>
+          </a:p>
+          <a:p>
+            <a:pPr marL="285750" indent="-285750">
+              <a:buFont typeface="Arial" panose="020B0604020202020204" pitchFamily="34" charset="0"/>
+              <a:buChar char="•"/>
+            </a:pPr>
+            <a:r>
+              <a:rPr lang="tr-TR" dirty="0"/>
+              <a:t> </a:t>
+            </a:r>
+            <a:r>
+              <a:rPr lang="tr-TR" dirty="0" err="1"/>
+              <a:t>For</a:t>
+            </a:r>
+            <a:r>
+              <a:rPr lang="tr-TR" dirty="0"/>
+              <a:t> </a:t>
+            </a:r>
+            <a:r>
+              <a:rPr lang="tr-TR" dirty="0" err="1"/>
+              <a:t>this</a:t>
+            </a:r>
+            <a:r>
+              <a:rPr lang="tr-TR" dirty="0"/>
+              <a:t> </a:t>
+            </a:r>
+            <a:r>
+              <a:rPr lang="tr-TR" dirty="0" err="1"/>
+              <a:t>trouble</a:t>
+            </a:r>
+            <a:r>
+              <a:rPr lang="tr-TR" dirty="0"/>
+              <a:t>, </a:t>
+            </a:r>
+            <a:r>
+              <a:rPr lang="tr-TR" dirty="0" err="1"/>
+              <a:t>commandline</a:t>
+            </a:r>
+            <a:r>
+              <a:rPr lang="tr-TR" dirty="0"/>
+              <a:t> </a:t>
+            </a:r>
+            <a:r>
+              <a:rPr lang="tr-TR" dirty="0" err="1"/>
+              <a:t>location</a:t>
+            </a:r>
+            <a:r>
+              <a:rPr lang="tr-TR" dirty="0"/>
+              <a:t> </a:t>
+            </a:r>
+            <a:r>
+              <a:rPr lang="tr-TR" dirty="0" err="1"/>
+              <a:t>must</a:t>
+            </a:r>
+            <a:r>
+              <a:rPr lang="tr-TR" dirty="0"/>
+              <a:t> be </a:t>
+            </a:r>
+            <a:r>
+              <a:rPr lang="tr-TR" dirty="0" err="1"/>
+              <a:t>entered</a:t>
+            </a:r>
+            <a:r>
+              <a:rPr lang="tr-TR" dirty="0"/>
+              <a:t> </a:t>
+            </a:r>
+            <a:r>
+              <a:rPr lang="tr-TR" dirty="0" err="1"/>
+              <a:t>from</a:t>
+            </a:r>
+            <a:r>
+              <a:rPr lang="tr-TR" dirty="0"/>
+              <a:t> </a:t>
+            </a:r>
+            <a:r>
+              <a:rPr lang="tr-TR" dirty="0" err="1"/>
+              <a:t>Pref</a:t>
+            </a:r>
+            <a:r>
+              <a:rPr lang="tr-TR" dirty="0"/>
+              <a:t>-&gt;</a:t>
+            </a:r>
+            <a:r>
+              <a:rPr lang="tr-TR" dirty="0" err="1"/>
+              <a:t>Locations</a:t>
+            </a:r>
+            <a:r>
+              <a:rPr lang="tr-TR" dirty="0"/>
+              <a:t>.</a:t>
+            </a:r>
+          </a:p>
+          <a:p>
+            <a:pPr marL="285750" indent="-285750">
+              <a:buFont typeface="Arial" panose="020B0604020202020204" pitchFamily="34" charset="0"/>
+              <a:buChar char="•"/>
+            </a:pPr>
+            <a:endParaRPr lang="tr-TR" dirty="0"/>
+          </a:p>
+        </p:txBody>
+      </p:sp>
+    </p:spTree>
+    <p:extLst>
+      <p:ext uri="{BB962C8B-B14F-4D97-AF65-F5344CB8AC3E}">
+        <p14:creationId xmlns:p14="http://schemas.microsoft.com/office/powerpoint/2010/main" val="2125217447"/>
+      </p:ext>
+    </p:extLst>
+  </p:cSld>
+  <p:clrMapOvr>
+    <a:masterClrMapping/>
+  </p:clrMapOvr>
+</p:sld>
+</file>
+
+<file path=ppt/slides/slide14.xml><?xml version="1.0" encoding="utf-8"?>
+<p:sld xmlns:a="http://schemas.openxmlformats.org/drawingml/2006/main" xmlns:r="http://schemas.openxmlformats.org/officeDocument/2006/relationships" xmlns:p="http://schemas.openxmlformats.org/presentationml/2006/main">
+  <p:cSld>
+    <p:spTree>
+      <p:nvGrpSpPr>
+        <p:cNvPr id="1" name=""/>
+        <p:cNvGrpSpPr/>
+        <p:nvPr/>
+      </p:nvGrpSpPr>
+      <p:grpSpPr>
+        <a:xfrm>
+          <a:off x="0" y="0"/>
+          <a:ext cx="0" cy="0"/>
+          <a:chOff x="0" y="0"/>
+          <a:chExt cx="0" cy="0"/>
+        </a:xfrm>
+      </p:grpSpPr>
+      <p:sp>
+        <p:nvSpPr>
+          <p:cNvPr id="2" name="Title 1">
+            <a:extLst>
+              <a:ext uri="{FF2B5EF4-FFF2-40B4-BE49-F238E27FC236}">
+                <a16:creationId xmlns:a16="http://schemas.microsoft.com/office/drawing/2014/main" id="{7B1061A3-28A3-6F45-B1ED-13FDCD099704}"/>
+              </a:ext>
+            </a:extLst>
+          </p:cNvPr>
+          <p:cNvSpPr>
+            <a:spLocks noGrp="1"/>
+          </p:cNvSpPr>
+          <p:nvPr>
+            <p:ph type="title"/>
+          </p:nvPr>
+        </p:nvSpPr>
+        <p:spPr/>
+        <p:txBody>
+          <a:bodyPr/>
+          <a:lstStyle/>
+          <a:p>
+            <a:r>
+              <a:rPr lang="tr-TR" dirty="0" err="1"/>
+              <a:t>COMMANDs</a:t>
+            </a:r>
+            <a:r>
+              <a:rPr lang="tr-TR" dirty="0"/>
+              <a:t> </a:t>
+            </a:r>
+            <a:r>
+              <a:rPr lang="tr-TR" sz="1000" dirty="0" err="1"/>
+              <a:t>more</a:t>
+            </a:r>
+            <a:endParaRPr lang="tr-TR" sz="1000" dirty="0"/>
+          </a:p>
+        </p:txBody>
+      </p:sp>
+      <p:sp>
+        <p:nvSpPr>
+          <p:cNvPr id="4" name="TextBox 3">
+            <a:extLst>
+              <a:ext uri="{FF2B5EF4-FFF2-40B4-BE49-F238E27FC236}">
+                <a16:creationId xmlns:a16="http://schemas.microsoft.com/office/drawing/2014/main" id="{3235FEF0-043C-C34E-896F-DC5C32C7384C}"/>
+              </a:ext>
+            </a:extLst>
+          </p:cNvPr>
+          <p:cNvSpPr txBox="1"/>
+          <p:nvPr/>
+        </p:nvSpPr>
+        <p:spPr>
+          <a:xfrm>
+            <a:off x="1254868" y="2373549"/>
+            <a:ext cx="9883301" cy="5078313"/>
+          </a:xfrm>
+          <a:prstGeom prst="rect">
+            <a:avLst/>
+          </a:prstGeom>
+          <a:noFill/>
+        </p:spPr>
+        <p:txBody>
+          <a:bodyPr wrap="square" rtlCol="0">
+            <a:spAutoFit/>
+          </a:bodyPr>
+          <a:lstStyle/>
+          <a:p>
+            <a:pPr marL="285750" indent="-285750">
+              <a:buFontTx/>
+              <a:buChar char="-"/>
+            </a:pPr>
+            <a:r>
+              <a:rPr lang="tr-TR" b="1" i="1" dirty="0" err="1"/>
+              <a:t>npm</a:t>
+            </a:r>
+            <a:r>
+              <a:rPr lang="tr-TR" b="1" i="1" dirty="0"/>
+              <a:t> </a:t>
+            </a:r>
+            <a:r>
+              <a:rPr lang="tr-TR" b="1" i="1" dirty="0" err="1"/>
+              <a:t>install</a:t>
+            </a:r>
+            <a:r>
+              <a:rPr lang="tr-TR" b="1" i="1" dirty="0"/>
+              <a:t> —</a:t>
+            </a:r>
+            <a:r>
+              <a:rPr lang="tr-TR" b="1" i="1" dirty="0" err="1"/>
+              <a:t>save</a:t>
+            </a:r>
+            <a:r>
+              <a:rPr lang="tr-TR" b="1" i="1" dirty="0"/>
+              <a:t>-dev </a:t>
+            </a:r>
+            <a:r>
+              <a:rPr lang="tr-TR" b="1" i="1" dirty="0" err="1"/>
+              <a:t>eslint-config-rallycoding</a:t>
+            </a:r>
+            <a:r>
+              <a:rPr lang="tr-TR" b="1" i="1" dirty="0"/>
+              <a:t> (</a:t>
+            </a:r>
+            <a:r>
+              <a:rPr lang="tr-TR" dirty="0" err="1"/>
+              <a:t>sample</a:t>
+            </a:r>
+            <a:r>
+              <a:rPr lang="tr-TR" dirty="0"/>
+              <a:t> </a:t>
+            </a:r>
+            <a:r>
+              <a:rPr lang="tr-TR" dirty="0" err="1"/>
+              <a:t>js</a:t>
+            </a:r>
+            <a:r>
+              <a:rPr lang="tr-TR" dirty="0"/>
+              <a:t> </a:t>
+            </a:r>
+            <a:r>
+              <a:rPr lang="tr-TR" dirty="0" err="1"/>
+              <a:t>rules</a:t>
+            </a:r>
+            <a:r>
+              <a:rPr lang="tr-TR" b="1" i="1" dirty="0"/>
+              <a:t>)</a:t>
+            </a:r>
+          </a:p>
+          <a:p>
+            <a:pPr marL="285750" indent="-285750">
+              <a:buFontTx/>
+              <a:buChar char="-"/>
+            </a:pPr>
+            <a:r>
+              <a:rPr lang="tr-TR" b="1" i="1" dirty="0" err="1"/>
+              <a:t>react-native</a:t>
+            </a:r>
+            <a:r>
+              <a:rPr lang="tr-TR" b="1" i="1" dirty="0"/>
+              <a:t> start --</a:t>
+            </a:r>
+            <a:r>
+              <a:rPr lang="tr-TR" b="1" i="1" dirty="0" err="1"/>
+              <a:t>reset-cache</a:t>
+            </a:r>
+            <a:endParaRPr lang="tr-TR" b="1" i="1" dirty="0"/>
+          </a:p>
+          <a:p>
+            <a:pPr marL="285750" indent="-285750">
+              <a:buFontTx/>
+              <a:buChar char="-"/>
+            </a:pPr>
+            <a:r>
+              <a:rPr lang="tr-TR" dirty="0" err="1"/>
+              <a:t>For</a:t>
+            </a:r>
+            <a:r>
+              <a:rPr lang="tr-TR" dirty="0"/>
+              <a:t> </a:t>
+            </a:r>
+            <a:r>
+              <a:rPr lang="tr-TR" dirty="0" err="1"/>
+              <a:t>reset</a:t>
+            </a:r>
+            <a:r>
+              <a:rPr lang="tr-TR" dirty="0"/>
+              <a:t> </a:t>
+            </a:r>
+            <a:r>
+              <a:rPr lang="tr-TR" dirty="0" err="1"/>
+              <a:t>all</a:t>
+            </a:r>
+            <a:r>
+              <a:rPr lang="tr-TR" dirty="0"/>
+              <a:t> </a:t>
+            </a:r>
+            <a:r>
+              <a:rPr lang="tr-TR" dirty="0" err="1"/>
+              <a:t>cache</a:t>
+            </a:r>
+            <a:r>
+              <a:rPr lang="tr-TR" dirty="0"/>
+              <a:t> </a:t>
+            </a:r>
+            <a:r>
+              <a:rPr lang="tr-TR" dirty="0" err="1"/>
+              <a:t>and</a:t>
+            </a:r>
+            <a:r>
+              <a:rPr lang="tr-TR" dirty="0"/>
+              <a:t> hot </a:t>
+            </a:r>
+            <a:r>
+              <a:rPr lang="tr-TR" dirty="0" err="1"/>
+              <a:t>reload</a:t>
+            </a:r>
+            <a:endParaRPr lang="tr-TR" dirty="0"/>
+          </a:p>
+          <a:p>
+            <a:pPr marL="742950" lvl="1" indent="-285750">
+              <a:buFontTx/>
+              <a:buChar char="-"/>
+            </a:pPr>
+            <a:r>
+              <a:rPr lang="tr-TR" b="1" i="1" dirty="0" err="1"/>
+              <a:t>rm</a:t>
+            </a:r>
+            <a:r>
+              <a:rPr lang="tr-TR" b="1" i="1" dirty="0"/>
+              <a:t> -</a:t>
+            </a:r>
+            <a:r>
+              <a:rPr lang="tr-TR" b="1" i="1" dirty="0" err="1"/>
+              <a:t>rf</a:t>
+            </a:r>
+            <a:r>
+              <a:rPr lang="tr-TR" b="1" i="1" dirty="0"/>
+              <a:t> $TMPDIR/</a:t>
+            </a:r>
+            <a:r>
+              <a:rPr lang="tr-TR" b="1" i="1" dirty="0" err="1"/>
+              <a:t>react</a:t>
+            </a:r>
+            <a:r>
+              <a:rPr lang="tr-TR" b="1" i="1" dirty="0"/>
+              <a:t>-*</a:t>
+            </a:r>
+          </a:p>
+          <a:p>
+            <a:pPr marL="742950" lvl="1" indent="-285750">
+              <a:buFontTx/>
+              <a:buChar char="-"/>
+            </a:pPr>
+            <a:r>
+              <a:rPr lang="tr-TR" b="1" i="1" dirty="0" err="1"/>
+              <a:t>rm</a:t>
+            </a:r>
+            <a:r>
+              <a:rPr lang="tr-TR" b="1" i="1" dirty="0"/>
+              <a:t> -</a:t>
+            </a:r>
+            <a:r>
+              <a:rPr lang="tr-TR" b="1" i="1" dirty="0" err="1"/>
+              <a:t>rf</a:t>
+            </a:r>
+            <a:r>
+              <a:rPr lang="tr-TR" b="1" i="1" dirty="0"/>
+              <a:t> $TMPDIR/</a:t>
+            </a:r>
+            <a:r>
+              <a:rPr lang="tr-TR" b="1" i="1" dirty="0" err="1"/>
+              <a:t>haste</a:t>
+            </a:r>
+            <a:r>
+              <a:rPr lang="tr-TR" b="1" i="1" dirty="0"/>
+              <a:t>-*</a:t>
+            </a:r>
+          </a:p>
+          <a:p>
+            <a:pPr marL="742950" lvl="1" indent="-285750">
+              <a:buFontTx/>
+              <a:buChar char="-"/>
+            </a:pPr>
+            <a:r>
+              <a:rPr lang="tr-TR" b="1" i="1" dirty="0" err="1"/>
+              <a:t>rm</a:t>
+            </a:r>
+            <a:r>
+              <a:rPr lang="tr-TR" b="1" i="1" dirty="0"/>
+              <a:t> -</a:t>
+            </a:r>
+            <a:r>
+              <a:rPr lang="tr-TR" b="1" i="1" dirty="0" err="1"/>
+              <a:t>rf</a:t>
+            </a:r>
+            <a:r>
+              <a:rPr lang="tr-TR" b="1" i="1" dirty="0"/>
+              <a:t> $TMPDIR/metro-*</a:t>
+            </a:r>
+          </a:p>
+          <a:p>
+            <a:pPr marL="742950" lvl="1" indent="-285750">
+              <a:buFontTx/>
+              <a:buChar char="-"/>
+            </a:pPr>
+            <a:r>
+              <a:rPr lang="tr-TR" b="1" i="1" dirty="0" err="1"/>
+              <a:t>watchman</a:t>
+            </a:r>
+            <a:r>
+              <a:rPr lang="tr-TR" b="1" i="1" dirty="0"/>
+              <a:t> </a:t>
+            </a:r>
+            <a:r>
+              <a:rPr lang="tr-TR" b="1" i="1" dirty="0" err="1"/>
+              <a:t>watch</a:t>
+            </a:r>
+            <a:r>
+              <a:rPr lang="tr-TR" b="1" i="1" dirty="0"/>
+              <a:t>-del-</a:t>
+            </a:r>
+            <a:r>
+              <a:rPr lang="tr-TR" b="1" i="1" dirty="0" err="1"/>
+              <a:t>all</a:t>
+            </a:r>
+            <a:endParaRPr lang="tr-TR" b="1" i="1" dirty="0"/>
+          </a:p>
+          <a:p>
+            <a:pPr marL="285750" indent="-285750">
+              <a:buFontTx/>
+              <a:buChar char="-"/>
+            </a:pPr>
+            <a:r>
+              <a:rPr lang="tr-TR" b="1" i="1" dirty="0" err="1"/>
+              <a:t>sudo</a:t>
+            </a:r>
+            <a:r>
+              <a:rPr lang="tr-TR" b="1" i="1" dirty="0"/>
+              <a:t> </a:t>
+            </a:r>
+            <a:r>
+              <a:rPr lang="tr-TR" b="1" i="1" dirty="0" err="1"/>
+              <a:t>lsof</a:t>
+            </a:r>
+            <a:r>
+              <a:rPr lang="tr-TR" b="1" i="1" dirty="0"/>
+              <a:t> -i :8081</a:t>
+            </a:r>
+          </a:p>
+          <a:p>
+            <a:pPr marL="285750" indent="-285750">
+              <a:buFontTx/>
+              <a:buChar char="-"/>
+            </a:pPr>
+            <a:r>
+              <a:rPr lang="tr-TR" b="1" i="1" dirty="0" err="1"/>
+              <a:t>kill</a:t>
+            </a:r>
+            <a:r>
+              <a:rPr lang="tr-TR" b="1" i="1" dirty="0"/>
+              <a:t> -9 34781</a:t>
+            </a:r>
+          </a:p>
+          <a:p>
+            <a:pPr marL="285750" indent="-285750">
+              <a:buFontTx/>
+              <a:buChar char="-"/>
+            </a:pPr>
+            <a:endParaRPr lang="tr-TR" b="1" i="1" dirty="0"/>
+          </a:p>
+          <a:p>
+            <a:pPr marL="285750" indent="-285750">
+              <a:buFontTx/>
+              <a:buChar char="-"/>
+            </a:pPr>
+            <a:endParaRPr lang="tr-TR" b="1" i="1" dirty="0"/>
+          </a:p>
+          <a:p>
+            <a:pPr marL="285750" indent="-285750">
+              <a:buFontTx/>
+              <a:buChar char="-"/>
+            </a:pPr>
+            <a:endParaRPr lang="tr-TR" b="1" i="1" dirty="0"/>
+          </a:p>
+          <a:p>
+            <a:pPr marL="285750" indent="-285750">
+              <a:buFontTx/>
+              <a:buChar char="-"/>
+            </a:pPr>
+            <a:endParaRPr lang="tr-TR" b="1" i="1" dirty="0"/>
+          </a:p>
+          <a:p>
+            <a:pPr marL="285750" indent="-285750">
+              <a:buFontTx/>
+              <a:buChar char="-"/>
+            </a:pPr>
+            <a:endParaRPr lang="tr-TR" dirty="0"/>
+          </a:p>
+          <a:p>
+            <a:pPr marL="285750" indent="-285750">
+              <a:buFontTx/>
+              <a:buChar char="-"/>
+            </a:pPr>
+            <a:endParaRPr lang="tr-TR" dirty="0"/>
+          </a:p>
+          <a:p>
+            <a:pPr marL="285750" indent="-285750">
+              <a:buFontTx/>
+              <a:buChar char="-"/>
+            </a:pPr>
+            <a:endParaRPr lang="tr-TR" dirty="0"/>
+          </a:p>
+          <a:p>
+            <a:pPr marL="285750" indent="-285750">
+              <a:buFontTx/>
+              <a:buChar char="-"/>
+            </a:pPr>
+            <a:endParaRPr lang="tr-TR" dirty="0"/>
+          </a:p>
+          <a:p>
+            <a:endParaRPr lang="tr-TR" dirty="0"/>
+          </a:p>
+        </p:txBody>
+      </p:sp>
+    </p:spTree>
+    <p:extLst>
+      <p:ext uri="{BB962C8B-B14F-4D97-AF65-F5344CB8AC3E}">
+        <p14:creationId xmlns:p14="http://schemas.microsoft.com/office/powerpoint/2010/main" val="2463827862"/>
+      </p:ext>
+    </p:extLst>
+  </p:cSld>
+  <p:clrMapOvr>
+    <a:masterClrMapping/>
+  </p:clrMapOvr>
+</p:sld>
+</file>
+
+<file path=ppt/slides/slide15.xml><?xml version="1.0" encoding="utf-8"?>
+<p:sld xmlns:a="http://schemas.openxmlformats.org/drawingml/2006/main" xmlns:r="http://schemas.openxmlformats.org/officeDocument/2006/relationships" xmlns:p="http://schemas.openxmlformats.org/presentationml/2006/main">
+  <p:cSld>
+    <p:spTree>
+      <p:nvGrpSpPr>
+        <p:cNvPr id="1" name=""/>
+        <p:cNvGrpSpPr/>
+        <p:nvPr/>
+      </p:nvGrpSpPr>
+      <p:grpSpPr>
+        <a:xfrm>
+          <a:off x="0" y="0"/>
+          <a:ext cx="0" cy="0"/>
+          <a:chOff x="0" y="0"/>
+          <a:chExt cx="0" cy="0"/>
+        </a:xfrm>
+      </p:grpSpPr>
+      <p:sp>
+        <p:nvSpPr>
+          <p:cNvPr id="2" name="Title 1">
+            <a:extLst>
+              <a:ext uri="{FF2B5EF4-FFF2-40B4-BE49-F238E27FC236}">
+                <a16:creationId xmlns:a16="http://schemas.microsoft.com/office/drawing/2014/main" id="{175FAA8B-0A53-B548-9EFC-8FA2ECB97A21}"/>
+              </a:ext>
+            </a:extLst>
+          </p:cNvPr>
+          <p:cNvSpPr>
+            <a:spLocks noGrp="1"/>
+          </p:cNvSpPr>
+          <p:nvPr>
+            <p:ph type="title"/>
+          </p:nvPr>
+        </p:nvSpPr>
+        <p:spPr>
+          <a:xfrm>
+            <a:off x="1102502" y="2321668"/>
+            <a:ext cx="9905998" cy="1905000"/>
+          </a:xfrm>
+        </p:spPr>
+        <p:txBody>
+          <a:bodyPr/>
+          <a:lstStyle/>
+          <a:p>
+            <a:pPr algn="ctr"/>
+            <a:r>
+              <a:rPr lang="tr-TR" dirty="0"/>
+              <a:t>THANKS</a:t>
+            </a:r>
+          </a:p>
+        </p:txBody>
+      </p:sp>
+    </p:spTree>
+    <p:extLst>
+      <p:ext uri="{BB962C8B-B14F-4D97-AF65-F5344CB8AC3E}">
+        <p14:creationId xmlns:p14="http://schemas.microsoft.com/office/powerpoint/2010/main" val="1373180617"/>
+      </p:ext>
+    </p:extLst>
+  </p:cSld>
+  <p:clrMapOvr>
+    <a:masterClrMapping/>
+  </p:clrMapOvr>
+</p:sld>
+</file>
+
+<file path=ppt/slides/slide2.xml><?xml version="1.0" encoding="utf-8"?>
+<p:sld xmlns:a="http://schemas.openxmlformats.org/drawingml/2006/main" xmlns:r="http://schemas.openxmlformats.org/officeDocument/2006/relationships" xmlns:p="http://schemas.openxmlformats.org/presentationml/2006/main">
+  <p:cSld>
+    <p:spTree>
+      <p:nvGrpSpPr>
+        <p:cNvPr id="1" name=""/>
+        <p:cNvGrpSpPr/>
+        <p:nvPr/>
+      </p:nvGrpSpPr>
+      <p:grpSpPr>
+        <a:xfrm>
+          <a:off x="0" y="0"/>
+          <a:ext cx="0" cy="0"/>
+          <a:chOff x="0" y="0"/>
+          <a:chExt cx="0" cy="0"/>
+        </a:xfrm>
+      </p:grpSpPr>
+      <p:sp>
+        <p:nvSpPr>
+          <p:cNvPr id="2" name="Title 1">
+            <a:extLst>
+              <a:ext uri="{FF2B5EF4-FFF2-40B4-BE49-F238E27FC236}">
+                <a16:creationId xmlns:a16="http://schemas.microsoft.com/office/drawing/2014/main" id="{5454A506-26AB-9B4F-A314-F7D6DDEFF414}"/>
+              </a:ext>
+            </a:extLst>
+          </p:cNvPr>
+          <p:cNvSpPr>
+            <a:spLocks noGrp="1"/>
+          </p:cNvSpPr>
+          <p:nvPr>
+            <p:ph type="title"/>
+          </p:nvPr>
+        </p:nvSpPr>
+        <p:spPr/>
+        <p:txBody>
+          <a:bodyPr/>
+          <a:lstStyle/>
+          <a:p>
+            <a:r>
+              <a:rPr lang="tr-TR" dirty="0"/>
+              <a:t>NPM : </a:t>
+            </a:r>
+            <a:r>
+              <a:rPr lang="tr-TR" b="1" dirty="0" err="1">
+                <a:effectLst/>
+              </a:rPr>
+              <a:t>Node</a:t>
+            </a:r>
+            <a:r>
+              <a:rPr lang="tr-TR" b="1" dirty="0">
+                <a:effectLst/>
+              </a:rPr>
+              <a:t> </a:t>
+            </a:r>
+            <a:r>
+              <a:rPr lang="tr-TR" b="1" dirty="0" err="1">
+                <a:effectLst/>
+              </a:rPr>
+              <a:t>Package</a:t>
+            </a:r>
+            <a:r>
+              <a:rPr lang="tr-TR" b="1" dirty="0">
+                <a:effectLst/>
+              </a:rPr>
+              <a:t> Manager</a:t>
+            </a:r>
+            <a:br>
+              <a:rPr lang="tr-TR" b="1" dirty="0">
+                <a:effectLst/>
+              </a:rPr>
+            </a:br>
+            <a:endParaRPr lang="tr-TR" dirty="0"/>
+          </a:p>
+        </p:txBody>
+      </p:sp>
+      <p:sp>
+        <p:nvSpPr>
+          <p:cNvPr id="4" name="TextBox 3">
+            <a:extLst>
+              <a:ext uri="{FF2B5EF4-FFF2-40B4-BE49-F238E27FC236}">
+                <a16:creationId xmlns:a16="http://schemas.microsoft.com/office/drawing/2014/main" id="{6F51D03E-0390-424A-AD86-38BE4829834C}"/>
+              </a:ext>
+            </a:extLst>
+          </p:cNvPr>
+          <p:cNvSpPr txBox="1"/>
+          <p:nvPr/>
+        </p:nvSpPr>
+        <p:spPr>
+          <a:xfrm>
+            <a:off x="1073319" y="1868269"/>
+            <a:ext cx="8780800" cy="646331"/>
+          </a:xfrm>
+          <a:prstGeom prst="rect">
+            <a:avLst/>
+          </a:prstGeom>
+          <a:noFill/>
+        </p:spPr>
+        <p:txBody>
+          <a:bodyPr wrap="square" rtlCol="0">
+            <a:spAutoFit/>
+          </a:bodyPr>
+          <a:lstStyle/>
+          <a:p>
+            <a:r>
+              <a:rPr lang="tr-TR" i="1" dirty="0"/>
+              <a:t>“</a:t>
+            </a:r>
+            <a:r>
+              <a:rPr lang="tr-TR" i="1" dirty="0" err="1"/>
+              <a:t>npm</a:t>
+            </a:r>
+            <a:r>
+              <a:rPr lang="tr-TR" i="1" dirty="0"/>
+              <a:t> </a:t>
+            </a:r>
+            <a:r>
+              <a:rPr lang="tr-TR" i="1" dirty="0" err="1"/>
+              <a:t>makes</a:t>
+            </a:r>
+            <a:r>
+              <a:rPr lang="tr-TR" i="1" dirty="0"/>
+              <a:t> it </a:t>
+            </a:r>
+            <a:r>
+              <a:rPr lang="tr-TR" i="1" dirty="0" err="1"/>
+              <a:t>easy</a:t>
+            </a:r>
+            <a:r>
+              <a:rPr lang="tr-TR" i="1" dirty="0"/>
+              <a:t> </a:t>
+            </a:r>
+            <a:r>
+              <a:rPr lang="tr-TR" i="1" dirty="0" err="1"/>
+              <a:t>for</a:t>
+            </a:r>
+            <a:r>
+              <a:rPr lang="tr-TR" i="1" dirty="0"/>
+              <a:t> </a:t>
+            </a:r>
+            <a:r>
+              <a:rPr lang="tr-TR" i="1" dirty="0" err="1"/>
+              <a:t>JavaScript</a:t>
+            </a:r>
+            <a:r>
+              <a:rPr lang="tr-TR" i="1" dirty="0"/>
+              <a:t> </a:t>
+            </a:r>
+            <a:r>
+              <a:rPr lang="tr-TR" i="1" dirty="0" err="1"/>
+              <a:t>developers</a:t>
+            </a:r>
+            <a:r>
+              <a:rPr lang="tr-TR" i="1" dirty="0"/>
+              <a:t> </a:t>
+            </a:r>
+            <a:r>
+              <a:rPr lang="tr-TR" i="1" dirty="0" err="1"/>
+              <a:t>to</a:t>
+            </a:r>
+            <a:r>
+              <a:rPr lang="tr-TR" i="1" dirty="0"/>
+              <a:t> </a:t>
+            </a:r>
+            <a:r>
+              <a:rPr lang="tr-TR" i="1" dirty="0" err="1"/>
+              <a:t>share</a:t>
+            </a:r>
+            <a:r>
+              <a:rPr lang="tr-TR" i="1" dirty="0"/>
+              <a:t> </a:t>
+            </a:r>
+            <a:r>
+              <a:rPr lang="tr-TR" i="1" dirty="0" err="1"/>
+              <a:t>and</a:t>
+            </a:r>
+            <a:r>
+              <a:rPr lang="tr-TR" i="1" dirty="0"/>
+              <a:t> </a:t>
+            </a:r>
+            <a:r>
+              <a:rPr lang="tr-TR" i="1" dirty="0" err="1"/>
+              <a:t>reuse</a:t>
+            </a:r>
+            <a:r>
+              <a:rPr lang="tr-TR" i="1" dirty="0"/>
+              <a:t> </a:t>
+            </a:r>
+            <a:r>
+              <a:rPr lang="tr-TR" i="1" dirty="0" err="1"/>
+              <a:t>code</a:t>
+            </a:r>
+            <a:r>
+              <a:rPr lang="tr-TR" i="1" dirty="0"/>
+              <a:t>, </a:t>
+            </a:r>
+            <a:r>
+              <a:rPr lang="tr-TR" i="1" dirty="0" err="1"/>
+              <a:t>and</a:t>
+            </a:r>
+            <a:r>
+              <a:rPr lang="tr-TR" i="1" dirty="0"/>
+              <a:t> it </a:t>
+            </a:r>
+            <a:r>
+              <a:rPr lang="tr-TR" i="1" dirty="0" err="1"/>
+              <a:t>makes</a:t>
+            </a:r>
+            <a:r>
+              <a:rPr lang="tr-TR" i="1" dirty="0"/>
+              <a:t> it </a:t>
+            </a:r>
+            <a:r>
+              <a:rPr lang="tr-TR" i="1" dirty="0" err="1"/>
+              <a:t>easy</a:t>
+            </a:r>
+            <a:r>
+              <a:rPr lang="tr-TR" i="1" dirty="0"/>
+              <a:t> </a:t>
+            </a:r>
+            <a:r>
+              <a:rPr lang="tr-TR" i="1" dirty="0" err="1"/>
+              <a:t>to</a:t>
+            </a:r>
+            <a:r>
+              <a:rPr lang="tr-TR" i="1" dirty="0"/>
+              <a:t> </a:t>
+            </a:r>
+            <a:r>
+              <a:rPr lang="tr-TR" i="1" dirty="0" err="1"/>
+              <a:t>update</a:t>
+            </a:r>
+            <a:r>
+              <a:rPr lang="tr-TR" i="1" dirty="0"/>
+              <a:t> </a:t>
+            </a:r>
+            <a:r>
+              <a:rPr lang="tr-TR" i="1" dirty="0" err="1"/>
+              <a:t>the</a:t>
+            </a:r>
+            <a:r>
+              <a:rPr lang="tr-TR" i="1" dirty="0"/>
+              <a:t> </a:t>
+            </a:r>
+            <a:r>
+              <a:rPr lang="tr-TR" i="1" dirty="0" err="1"/>
+              <a:t>code</a:t>
+            </a:r>
+            <a:r>
+              <a:rPr lang="tr-TR" i="1" dirty="0"/>
+              <a:t> </a:t>
+            </a:r>
+            <a:r>
+              <a:rPr lang="tr-TR" i="1" dirty="0" err="1"/>
+              <a:t>that</a:t>
+            </a:r>
+            <a:r>
+              <a:rPr lang="tr-TR" i="1" dirty="0"/>
+              <a:t> </a:t>
+            </a:r>
+            <a:r>
+              <a:rPr lang="tr-TR" i="1" dirty="0" err="1"/>
+              <a:t>you’re</a:t>
+            </a:r>
+            <a:r>
+              <a:rPr lang="tr-TR" i="1" dirty="0"/>
+              <a:t> </a:t>
+            </a:r>
+            <a:r>
+              <a:rPr lang="tr-TR" i="1" dirty="0" err="1"/>
+              <a:t>sharing</a:t>
+            </a:r>
+            <a:r>
+              <a:rPr lang="tr-TR" i="1" dirty="0"/>
+              <a:t>” — </a:t>
+            </a:r>
+            <a:r>
+              <a:rPr lang="tr-TR" i="1" dirty="0" err="1"/>
+              <a:t>npmjs.org</a:t>
+            </a:r>
+            <a:endParaRPr lang="tr-TR" dirty="0"/>
+          </a:p>
+        </p:txBody>
+      </p:sp>
+      <p:sp>
+        <p:nvSpPr>
+          <p:cNvPr id="6" name="TextBox 5">
+            <a:extLst>
+              <a:ext uri="{FF2B5EF4-FFF2-40B4-BE49-F238E27FC236}">
+                <a16:creationId xmlns:a16="http://schemas.microsoft.com/office/drawing/2014/main" id="{ECE1C09E-5691-BF4C-8195-1AA732FC987D}"/>
+              </a:ext>
+            </a:extLst>
+          </p:cNvPr>
+          <p:cNvSpPr txBox="1"/>
+          <p:nvPr/>
+        </p:nvSpPr>
+        <p:spPr>
+          <a:xfrm>
+            <a:off x="1073319" y="2954896"/>
+            <a:ext cx="8693251" cy="2308324"/>
+          </a:xfrm>
+          <a:prstGeom prst="rect">
+            <a:avLst/>
+          </a:prstGeom>
+          <a:noFill/>
+        </p:spPr>
+        <p:txBody>
+          <a:bodyPr wrap="square" rtlCol="0">
+            <a:spAutoFit/>
+          </a:bodyPr>
+          <a:lstStyle/>
+          <a:p>
+            <a:pPr marL="285750" indent="-285750">
+              <a:buFont typeface="Arial" panose="020B0604020202020204" pitchFamily="34" charset="0"/>
+              <a:buChar char="•"/>
+            </a:pPr>
+            <a:r>
+              <a:rPr lang="tr-TR" dirty="0" err="1"/>
+              <a:t>You</a:t>
+            </a:r>
+            <a:r>
+              <a:rPr lang="tr-TR" dirty="0"/>
+              <a:t> </a:t>
+            </a:r>
+            <a:r>
+              <a:rPr lang="tr-TR" dirty="0" err="1"/>
+              <a:t>need</a:t>
+            </a:r>
+            <a:r>
+              <a:rPr lang="tr-TR" dirty="0"/>
+              <a:t> </a:t>
+            </a:r>
+            <a:r>
+              <a:rPr lang="tr-TR" dirty="0" err="1"/>
+              <a:t>to</a:t>
+            </a:r>
+            <a:r>
+              <a:rPr lang="tr-TR" dirty="0"/>
+              <a:t> set </a:t>
+            </a:r>
+            <a:r>
+              <a:rPr lang="tr-TR" dirty="0" err="1"/>
+              <a:t>up</a:t>
+            </a:r>
+            <a:r>
+              <a:rPr lang="tr-TR" dirty="0"/>
+              <a:t> </a:t>
+            </a:r>
+            <a:r>
+              <a:rPr lang="tr-TR" dirty="0" err="1"/>
+              <a:t>nodejs</a:t>
+            </a:r>
+            <a:r>
+              <a:rPr lang="tr-TR" dirty="0"/>
+              <a:t> </a:t>
+            </a:r>
+            <a:r>
+              <a:rPr lang="tr-TR" dirty="0" err="1"/>
+              <a:t>for</a:t>
+            </a:r>
+            <a:r>
+              <a:rPr lang="tr-TR" dirty="0"/>
+              <a:t> </a:t>
+            </a:r>
+            <a:r>
+              <a:rPr lang="tr-TR" dirty="0" err="1"/>
+              <a:t>npm</a:t>
+            </a:r>
+            <a:r>
+              <a:rPr lang="tr-TR" dirty="0"/>
+              <a:t> </a:t>
+            </a:r>
+            <a:r>
+              <a:rPr lang="tr-TR" dirty="0" err="1"/>
+              <a:t>and</a:t>
+            </a:r>
+            <a:r>
+              <a:rPr lang="tr-TR" dirty="0"/>
+              <a:t> it is </a:t>
+            </a:r>
+            <a:r>
+              <a:rPr lang="tr-TR" dirty="0" err="1"/>
+              <a:t>automatically</a:t>
+            </a:r>
+            <a:r>
+              <a:rPr lang="tr-TR" dirty="0"/>
+              <a:t> </a:t>
+            </a:r>
+            <a:r>
+              <a:rPr lang="tr-TR" dirty="0" err="1"/>
+              <a:t>installed</a:t>
+            </a:r>
+            <a:r>
+              <a:rPr lang="tr-TR" dirty="0"/>
+              <a:t> in </a:t>
+            </a:r>
+            <a:r>
+              <a:rPr lang="tr-TR" dirty="0" err="1"/>
+              <a:t>npm</a:t>
+            </a:r>
+            <a:r>
+              <a:rPr lang="tr-TR" dirty="0"/>
+              <a:t> </a:t>
+            </a:r>
+            <a:r>
+              <a:rPr lang="tr-TR" dirty="0" err="1"/>
+              <a:t>when</a:t>
+            </a:r>
+            <a:r>
+              <a:rPr lang="tr-TR" dirty="0"/>
+              <a:t> </a:t>
+            </a:r>
+            <a:r>
+              <a:rPr lang="tr-TR" dirty="0" err="1"/>
+              <a:t>nodejs</a:t>
+            </a:r>
+            <a:r>
+              <a:rPr lang="tr-TR" dirty="0"/>
+              <a:t> is </a:t>
+            </a:r>
+            <a:r>
+              <a:rPr lang="tr-TR" dirty="0" err="1"/>
+              <a:t>installed</a:t>
+            </a:r>
+            <a:r>
+              <a:rPr lang="tr-TR" dirty="0"/>
+              <a:t>.</a:t>
+            </a:r>
+          </a:p>
+          <a:p>
+            <a:pPr marL="285750" indent="-285750">
+              <a:buFont typeface="Arial" panose="020B0604020202020204" pitchFamily="34" charset="0"/>
+              <a:buChar char="•"/>
+            </a:pPr>
+            <a:endParaRPr lang="tr-TR" dirty="0"/>
+          </a:p>
+          <a:p>
+            <a:pPr marL="285750" indent="-285750">
+              <a:buFont typeface="Arial" panose="020B0604020202020204" pitchFamily="34" charset="0"/>
+              <a:buChar char="•"/>
+            </a:pPr>
+            <a:r>
+              <a:rPr lang="tr-TR" dirty="0" err="1"/>
+              <a:t>For</a:t>
+            </a:r>
+            <a:r>
+              <a:rPr lang="tr-TR" dirty="0"/>
+              <a:t> </a:t>
+            </a:r>
+            <a:r>
+              <a:rPr lang="tr-TR" dirty="0" err="1"/>
+              <a:t>download</a:t>
+            </a:r>
+            <a:r>
+              <a:rPr lang="tr-TR" dirty="0"/>
+              <a:t>: </a:t>
+            </a:r>
+            <a:r>
+              <a:rPr lang="tr-TR" dirty="0">
+                <a:hlinkClick r:id="rId2"/>
+              </a:rPr>
+              <a:t>https://nodejs.org/en/download/</a:t>
+            </a:r>
+            <a:endParaRPr lang="tr-TR" dirty="0"/>
+          </a:p>
+          <a:p>
+            <a:pPr marL="285750" indent="-285750">
+              <a:buFont typeface="Arial" panose="020B0604020202020204" pitchFamily="34" charset="0"/>
+              <a:buChar char="•"/>
+            </a:pPr>
+            <a:endParaRPr lang="tr-TR" dirty="0"/>
+          </a:p>
+          <a:p>
+            <a:pPr marL="285750" indent="-285750">
+              <a:buFont typeface="Arial" panose="020B0604020202020204" pitchFamily="34" charset="0"/>
+              <a:buChar char="•"/>
+            </a:pPr>
+            <a:r>
+              <a:rPr lang="tr-TR" dirty="0" err="1"/>
+              <a:t>The</a:t>
+            </a:r>
+            <a:r>
+              <a:rPr lang="tr-TR" dirty="0"/>
+              <a:t> minimum </a:t>
+            </a:r>
+            <a:r>
+              <a:rPr lang="tr-TR" dirty="0" err="1"/>
+              <a:t>node.js</a:t>
+            </a:r>
+            <a:r>
+              <a:rPr lang="tr-TR" dirty="0"/>
+              <a:t> </a:t>
+            </a:r>
+            <a:r>
+              <a:rPr lang="tr-TR" dirty="0" err="1"/>
+              <a:t>version</a:t>
+            </a:r>
+            <a:r>
+              <a:rPr lang="tr-TR" dirty="0"/>
+              <a:t> </a:t>
+            </a:r>
+            <a:r>
+              <a:rPr lang="tr-TR" dirty="0" err="1"/>
+              <a:t>that</a:t>
+            </a:r>
+            <a:r>
+              <a:rPr lang="tr-TR" dirty="0"/>
+              <a:t> </a:t>
+            </a:r>
+            <a:r>
+              <a:rPr lang="tr-TR" dirty="0" err="1"/>
+              <a:t>supports</a:t>
+            </a:r>
+            <a:r>
+              <a:rPr lang="tr-TR" dirty="0"/>
+              <a:t> </a:t>
+            </a:r>
+            <a:r>
+              <a:rPr lang="tr-TR" dirty="0" err="1"/>
+              <a:t>React</a:t>
+            </a:r>
+            <a:r>
+              <a:rPr lang="tr-TR" dirty="0"/>
+              <a:t> </a:t>
+            </a:r>
+            <a:r>
+              <a:rPr lang="tr-TR" dirty="0" err="1"/>
+              <a:t>native</a:t>
+            </a:r>
+            <a:r>
+              <a:rPr lang="tr-TR" dirty="0"/>
+              <a:t> is 4.5 </a:t>
+            </a:r>
+            <a:r>
+              <a:rPr lang="tr-TR" dirty="0" err="1"/>
+              <a:t>and</a:t>
+            </a:r>
+            <a:r>
+              <a:rPr lang="tr-TR" dirty="0"/>
+              <a:t> 4.5+.</a:t>
+            </a:r>
+          </a:p>
+          <a:p>
+            <a:pPr marL="285750" indent="-285750">
+              <a:buFont typeface="Arial" panose="020B0604020202020204" pitchFamily="34" charset="0"/>
+              <a:buChar char="•"/>
+            </a:pPr>
+            <a:endParaRPr lang="tr-TR" dirty="0"/>
+          </a:p>
+          <a:p>
+            <a:pPr marL="285750" indent="-285750">
+              <a:buFont typeface="Arial" panose="020B0604020202020204" pitchFamily="34" charset="0"/>
+              <a:buChar char="•"/>
+            </a:pPr>
+            <a:endParaRPr lang="tr-TR" dirty="0"/>
+          </a:p>
+        </p:txBody>
+      </p:sp>
+    </p:spTree>
+    <p:extLst>
+      <p:ext uri="{BB962C8B-B14F-4D97-AF65-F5344CB8AC3E}">
+        <p14:creationId xmlns:p14="http://schemas.microsoft.com/office/powerpoint/2010/main" val="142263941"/>
+      </p:ext>
+    </p:extLst>
+  </p:cSld>
+  <p:clrMapOvr>
+    <a:masterClrMapping/>
+  </p:clrMapOvr>
+</p:sld>
+</file>
+
+<file path=ppt/slides/slide3.xml><?xml version="1.0" encoding="utf-8"?>
+<p:sld xmlns:a="http://schemas.openxmlformats.org/drawingml/2006/main" xmlns:r="http://schemas.openxmlformats.org/officeDocument/2006/relationships" xmlns:p="http://schemas.openxmlformats.org/presentationml/2006/main">
+  <p:cSld>
+    <p:spTree>
+      <p:nvGrpSpPr>
+        <p:cNvPr id="1" name=""/>
+        <p:cNvGrpSpPr/>
+        <p:nvPr/>
+      </p:nvGrpSpPr>
+      <p:grpSpPr>
+        <a:xfrm>
+          <a:off x="0" y="0"/>
+          <a:ext cx="0" cy="0"/>
+          <a:chOff x="0" y="0"/>
+          <a:chExt cx="0" cy="0"/>
+        </a:xfrm>
+      </p:grpSpPr>
+      <p:sp>
+        <p:nvSpPr>
+          <p:cNvPr id="2" name="Title 1">
+            <a:extLst>
+              <a:ext uri="{FF2B5EF4-FFF2-40B4-BE49-F238E27FC236}">
+                <a16:creationId xmlns:a16="http://schemas.microsoft.com/office/drawing/2014/main" id="{A69797BF-FD3D-0D45-BC3E-AFDD6BDE207A}"/>
+              </a:ext>
+            </a:extLst>
+          </p:cNvPr>
+          <p:cNvSpPr>
+            <a:spLocks noGrp="1"/>
+          </p:cNvSpPr>
+          <p:nvPr>
+            <p:ph type="title"/>
+          </p:nvPr>
+        </p:nvSpPr>
+        <p:spPr/>
+        <p:txBody>
+          <a:bodyPr/>
+          <a:lstStyle/>
+          <a:p>
+            <a:r>
+              <a:rPr lang="tr-TR" dirty="0"/>
+              <a:t>NPM </a:t>
+            </a:r>
+            <a:r>
+              <a:rPr lang="tr-TR" dirty="0" err="1"/>
+              <a:t>Detaıl</a:t>
+            </a:r>
+            <a:r>
+              <a:rPr lang="tr-TR" dirty="0"/>
+              <a:t>: </a:t>
+            </a:r>
+            <a:r>
+              <a:rPr lang="tr-TR" b="1" dirty="0" err="1">
+                <a:effectLst/>
+              </a:rPr>
+              <a:t>Package.json</a:t>
+            </a:r>
+            <a:br>
+              <a:rPr lang="tr-TR" b="1" dirty="0">
+                <a:effectLst/>
+              </a:rPr>
+            </a:br>
+            <a:endParaRPr lang="tr-TR" dirty="0"/>
+          </a:p>
+        </p:txBody>
+      </p:sp>
+      <p:sp>
+        <p:nvSpPr>
+          <p:cNvPr id="4" name="TextBox 3">
+            <a:extLst>
+              <a:ext uri="{FF2B5EF4-FFF2-40B4-BE49-F238E27FC236}">
+                <a16:creationId xmlns:a16="http://schemas.microsoft.com/office/drawing/2014/main" id="{37131951-2312-E944-8462-8219C996E8A9}"/>
+              </a:ext>
+            </a:extLst>
+          </p:cNvPr>
+          <p:cNvSpPr txBox="1"/>
+          <p:nvPr/>
+        </p:nvSpPr>
+        <p:spPr>
+          <a:xfrm>
+            <a:off x="1141414" y="2217906"/>
+            <a:ext cx="9510374" cy="2308324"/>
+          </a:xfrm>
+          <a:prstGeom prst="rect">
+            <a:avLst/>
+          </a:prstGeom>
+          <a:noFill/>
+        </p:spPr>
+        <p:txBody>
+          <a:bodyPr wrap="square" rtlCol="0">
+            <a:spAutoFit/>
+          </a:bodyPr>
+          <a:lstStyle/>
+          <a:p>
+            <a:pPr marL="285750" indent="-285750">
+              <a:buFont typeface="Arial" panose="020B0604020202020204" pitchFamily="34" charset="0"/>
+              <a:buChar char="•"/>
+            </a:pPr>
+            <a:r>
+              <a:rPr lang="tr-TR" dirty="0"/>
+              <a:t>is </a:t>
+            </a:r>
+            <a:r>
+              <a:rPr lang="tr-TR" dirty="0" err="1"/>
+              <a:t>containing</a:t>
+            </a:r>
+            <a:r>
+              <a:rPr lang="tr-TR" dirty="0"/>
+              <a:t> </a:t>
+            </a:r>
+            <a:r>
+              <a:rPr lang="tr-TR" dirty="0" err="1"/>
+              <a:t>information</a:t>
+            </a:r>
+            <a:r>
+              <a:rPr lang="tr-TR" dirty="0"/>
+              <a:t> </a:t>
+            </a:r>
+            <a:r>
+              <a:rPr lang="tr-TR" dirty="0" err="1"/>
+              <a:t>about</a:t>
+            </a:r>
+            <a:r>
+              <a:rPr lang="tr-TR" dirty="0"/>
+              <a:t> </a:t>
+            </a:r>
+            <a:r>
+              <a:rPr lang="tr-TR" dirty="0" err="1"/>
+              <a:t>the</a:t>
+            </a:r>
+            <a:r>
+              <a:rPr lang="tr-TR" dirty="0"/>
+              <a:t> </a:t>
+            </a:r>
+            <a:r>
+              <a:rPr lang="tr-TR" dirty="0" err="1"/>
+              <a:t>project</a:t>
+            </a:r>
+            <a:r>
+              <a:rPr lang="tr-TR" dirty="0"/>
+              <a:t>.</a:t>
+            </a:r>
+          </a:p>
+          <a:p>
+            <a:pPr marL="285750" indent="-285750">
+              <a:buFont typeface="Arial" panose="020B0604020202020204" pitchFamily="34" charset="0"/>
+              <a:buChar char="•"/>
+            </a:pPr>
+            <a:endParaRPr lang="tr-TR" dirty="0"/>
+          </a:p>
+          <a:p>
+            <a:pPr marL="285750" indent="-285750">
+              <a:buFont typeface="Arial" panose="020B0604020202020204" pitchFamily="34" charset="0"/>
+              <a:buChar char="•"/>
+            </a:pPr>
+            <a:r>
+              <a:rPr lang="tr-TR" dirty="0" err="1"/>
+              <a:t>to</a:t>
+            </a:r>
+            <a:r>
+              <a:rPr lang="tr-TR" dirty="0"/>
+              <a:t> </a:t>
+            </a:r>
+            <a:r>
+              <a:rPr lang="tr-TR" dirty="0" err="1"/>
+              <a:t>create</a:t>
+            </a:r>
+            <a:r>
+              <a:rPr lang="tr-TR" dirty="0"/>
+              <a:t> </a:t>
+            </a:r>
+            <a:r>
+              <a:rPr lang="tr-TR" dirty="0" err="1"/>
+              <a:t>the</a:t>
+            </a:r>
+            <a:r>
+              <a:rPr lang="tr-TR" dirty="0"/>
+              <a:t> </a:t>
+            </a:r>
+            <a:r>
+              <a:rPr lang="tr-TR" dirty="0" err="1"/>
+              <a:t>Package.json</a:t>
+            </a:r>
+            <a:r>
+              <a:rPr lang="tr-TR" dirty="0"/>
+              <a:t> file : </a:t>
+            </a:r>
+            <a:r>
+              <a:rPr lang="tr-TR" dirty="0" err="1"/>
+              <a:t>npm</a:t>
+            </a:r>
+            <a:r>
+              <a:rPr lang="tr-TR" dirty="0"/>
+              <a:t> </a:t>
+            </a:r>
+            <a:r>
+              <a:rPr lang="tr-TR" dirty="0" err="1"/>
+              <a:t>install</a:t>
+            </a:r>
+            <a:endParaRPr lang="tr-TR" dirty="0"/>
+          </a:p>
+          <a:p>
+            <a:pPr marL="285750" indent="-285750">
+              <a:buFont typeface="Arial" panose="020B0604020202020204" pitchFamily="34" charset="0"/>
+              <a:buChar char="•"/>
+            </a:pPr>
+            <a:endParaRPr lang="tr-TR" dirty="0"/>
+          </a:p>
+          <a:p>
+            <a:pPr marL="285750" indent="-285750">
+              <a:buFont typeface="Arial" panose="020B0604020202020204" pitchFamily="34" charset="0"/>
+              <a:buChar char="•"/>
+            </a:pPr>
+            <a:r>
+              <a:rPr lang="tr-TR" dirty="0"/>
+              <a:t>NPM </a:t>
+            </a:r>
+            <a:r>
+              <a:rPr lang="tr-TR" dirty="0" err="1"/>
+              <a:t>Package</a:t>
+            </a:r>
+            <a:r>
+              <a:rPr lang="tr-TR" dirty="0"/>
+              <a:t> </a:t>
+            </a:r>
+            <a:r>
+              <a:rPr lang="tr-TR" dirty="0" err="1"/>
+              <a:t>Setup</a:t>
+            </a:r>
+            <a:r>
+              <a:rPr lang="tr-TR" dirty="0"/>
+              <a:t> :  </a:t>
+            </a:r>
+            <a:r>
+              <a:rPr lang="tr-TR" dirty="0" err="1"/>
+              <a:t>Local</a:t>
+            </a:r>
+            <a:r>
+              <a:rPr lang="tr-TR" dirty="0"/>
+              <a:t> ve global </a:t>
+            </a:r>
+          </a:p>
+          <a:p>
+            <a:r>
+              <a:rPr lang="tr-TR" dirty="0"/>
+              <a:t>    </a:t>
+            </a:r>
+            <a:r>
+              <a:rPr lang="tr-TR" sz="1200" dirty="0" err="1"/>
+              <a:t>for</a:t>
+            </a:r>
+            <a:r>
+              <a:rPr lang="tr-TR" sz="1200" dirty="0"/>
+              <a:t> </a:t>
+            </a:r>
+            <a:r>
+              <a:rPr lang="tr-TR" sz="1200" dirty="0" err="1"/>
+              <a:t>detail</a:t>
+            </a:r>
+            <a:r>
+              <a:rPr lang="tr-TR" sz="1200" dirty="0"/>
+              <a:t>: </a:t>
+            </a:r>
+            <a:r>
+              <a:rPr lang="tr-TR" sz="1200" dirty="0">
+                <a:hlinkClick r:id="rId2"/>
+              </a:rPr>
+              <a:t>https://nodejs.org/en/blog/npm/npm-1-0-global-vs-local-installation/</a:t>
+            </a:r>
+            <a:endParaRPr lang="tr-TR" sz="1200" dirty="0"/>
+          </a:p>
+          <a:p>
+            <a:endParaRPr lang="tr-TR" dirty="0"/>
+          </a:p>
+          <a:p>
+            <a:endParaRPr lang="tr-TR" dirty="0"/>
+          </a:p>
+        </p:txBody>
+      </p:sp>
+    </p:spTree>
+    <p:extLst>
+      <p:ext uri="{BB962C8B-B14F-4D97-AF65-F5344CB8AC3E}">
+        <p14:creationId xmlns:p14="http://schemas.microsoft.com/office/powerpoint/2010/main" val="47819258"/>
+      </p:ext>
+    </p:extLst>
+  </p:cSld>
+  <p:clrMapOvr>
+    <a:masterClrMapping/>
+  </p:clrMapOvr>
+</p:sld>
+</file>
+
+<file path=ppt/slides/slide4.xml><?xml version="1.0" encoding="utf-8"?>
+<p:sld xmlns:a="http://schemas.openxmlformats.org/drawingml/2006/main" xmlns:r="http://schemas.openxmlformats.org/officeDocument/2006/relationships" xmlns:p="http://schemas.openxmlformats.org/presentationml/2006/main">
+  <p:cSld>
+    <p:spTree>
+      <p:nvGrpSpPr>
+        <p:cNvPr id="1" name=""/>
+        <p:cNvGrpSpPr/>
+        <p:nvPr/>
+      </p:nvGrpSpPr>
+      <p:grpSpPr>
+        <a:xfrm>
+          <a:off x="0" y="0"/>
+          <a:ext cx="0" cy="0"/>
+          <a:chOff x="0" y="0"/>
+          <a:chExt cx="0" cy="0"/>
+        </a:xfrm>
+      </p:grpSpPr>
+      <p:sp>
+        <p:nvSpPr>
+          <p:cNvPr id="2" name="Title 1">
+            <a:extLst>
+              <a:ext uri="{FF2B5EF4-FFF2-40B4-BE49-F238E27FC236}">
+                <a16:creationId xmlns:a16="http://schemas.microsoft.com/office/drawing/2014/main" id="{A69797BF-FD3D-0D45-BC3E-AFDD6BDE207A}"/>
+              </a:ext>
+            </a:extLst>
+          </p:cNvPr>
+          <p:cNvSpPr>
+            <a:spLocks noGrp="1"/>
+          </p:cNvSpPr>
+          <p:nvPr>
+            <p:ph type="title"/>
+          </p:nvPr>
+        </p:nvSpPr>
+        <p:spPr/>
+        <p:txBody>
+          <a:bodyPr/>
+          <a:lstStyle/>
+          <a:p>
+            <a:r>
+              <a:rPr lang="tr-TR" dirty="0"/>
+              <a:t>NPM </a:t>
+            </a:r>
+            <a:r>
+              <a:rPr lang="tr-TR" dirty="0" err="1"/>
+              <a:t>Detaıl</a:t>
+            </a:r>
+            <a:r>
+              <a:rPr lang="tr-TR" dirty="0"/>
+              <a:t>: </a:t>
+            </a:r>
+            <a:r>
+              <a:rPr lang="tr-TR" b="1" dirty="0" err="1">
+                <a:effectLst/>
+              </a:rPr>
+              <a:t>Package.json</a:t>
+            </a:r>
+            <a:br>
+              <a:rPr lang="tr-TR" b="1" dirty="0">
+                <a:effectLst/>
+              </a:rPr>
+            </a:br>
+            <a:endParaRPr lang="tr-TR" dirty="0"/>
+          </a:p>
+        </p:txBody>
+      </p:sp>
+      <p:sp>
+        <p:nvSpPr>
+          <p:cNvPr id="4" name="TextBox 3">
+            <a:extLst>
+              <a:ext uri="{FF2B5EF4-FFF2-40B4-BE49-F238E27FC236}">
+                <a16:creationId xmlns:a16="http://schemas.microsoft.com/office/drawing/2014/main" id="{37131951-2312-E944-8462-8219C996E8A9}"/>
+              </a:ext>
+            </a:extLst>
+          </p:cNvPr>
+          <p:cNvSpPr txBox="1"/>
+          <p:nvPr/>
+        </p:nvSpPr>
+        <p:spPr>
+          <a:xfrm>
+            <a:off x="1141414" y="2217906"/>
+            <a:ext cx="9510374" cy="2031325"/>
+          </a:xfrm>
+          <a:prstGeom prst="rect">
+            <a:avLst/>
+          </a:prstGeom>
+          <a:noFill/>
+        </p:spPr>
+        <p:txBody>
+          <a:bodyPr wrap="square" rtlCol="0">
+            <a:spAutoFit/>
+          </a:bodyPr>
+          <a:lstStyle/>
+          <a:p>
+            <a:r>
+              <a:rPr lang="tr-TR" b="1" dirty="0" err="1"/>
+              <a:t>npm</a:t>
+            </a:r>
+            <a:r>
+              <a:rPr lang="tr-TR" b="1" dirty="0"/>
+              <a:t> </a:t>
+            </a:r>
+            <a:r>
+              <a:rPr lang="tr-TR" b="1" dirty="0" err="1"/>
+              <a:t>install</a:t>
+            </a:r>
+            <a:r>
+              <a:rPr lang="tr-TR" b="1" dirty="0"/>
+              <a:t> &lt;</a:t>
+            </a:r>
+            <a:r>
+              <a:rPr lang="tr-TR" b="1" dirty="0" err="1"/>
+              <a:t>package_name</a:t>
+            </a:r>
+            <a:r>
+              <a:rPr lang="tr-TR" b="1" dirty="0"/>
+              <a:t>&gt; -g --</a:t>
+            </a:r>
+            <a:r>
+              <a:rPr lang="tr-TR" b="1" dirty="0" err="1"/>
+              <a:t>save</a:t>
+            </a:r>
+            <a:r>
+              <a:rPr lang="tr-TR" b="1" dirty="0"/>
+              <a:t>-dev</a:t>
+            </a:r>
+            <a:br>
+              <a:rPr lang="tr-TR" dirty="0"/>
+            </a:br>
+            <a:endParaRPr lang="tr-TR" dirty="0"/>
+          </a:p>
+          <a:p>
+            <a:r>
+              <a:rPr lang="tr-TR" dirty="0"/>
+              <a:t>➫ </a:t>
+            </a:r>
+            <a:r>
+              <a:rPr lang="tr-TR" dirty="0" err="1"/>
+              <a:t>install</a:t>
+            </a:r>
+            <a:r>
+              <a:rPr lang="tr-TR" dirty="0"/>
+              <a:t> : </a:t>
+            </a:r>
+            <a:r>
+              <a:rPr lang="tr-TR" dirty="0" err="1"/>
+              <a:t>package</a:t>
+            </a:r>
+            <a:r>
+              <a:rPr lang="tr-TR" dirty="0"/>
+              <a:t> </a:t>
+            </a:r>
+            <a:r>
+              <a:rPr lang="tr-TR" dirty="0" err="1"/>
+              <a:t>download</a:t>
+            </a:r>
+            <a:r>
+              <a:rPr lang="tr-TR" dirty="0"/>
+              <a:t> </a:t>
+            </a:r>
+            <a:r>
+              <a:rPr lang="tr-TR" dirty="0" err="1"/>
+              <a:t>command</a:t>
+            </a:r>
+            <a:br>
+              <a:rPr lang="tr-TR" dirty="0"/>
+            </a:br>
+            <a:endParaRPr lang="tr-TR" dirty="0"/>
+          </a:p>
+          <a:p>
+            <a:r>
+              <a:rPr lang="tr-TR" dirty="0"/>
+              <a:t>➫ -g : global </a:t>
+            </a:r>
+            <a:r>
+              <a:rPr lang="tr-TR" dirty="0" err="1"/>
+              <a:t>type</a:t>
+            </a:r>
+            <a:br>
+              <a:rPr lang="tr-TR" dirty="0"/>
+            </a:br>
+            <a:endParaRPr lang="tr-TR" dirty="0"/>
+          </a:p>
+          <a:p>
+            <a:r>
+              <a:rPr lang="tr-TR" dirty="0"/>
+              <a:t>➫ --</a:t>
+            </a:r>
+            <a:r>
+              <a:rPr lang="tr-TR" dirty="0" err="1"/>
+              <a:t>save</a:t>
+            </a:r>
+            <a:r>
+              <a:rPr lang="tr-TR" dirty="0"/>
+              <a:t>-dev : </a:t>
+            </a:r>
+            <a:r>
+              <a:rPr lang="tr-TR" dirty="0" err="1"/>
+              <a:t>saves</a:t>
+            </a:r>
+            <a:r>
+              <a:rPr lang="tr-TR" dirty="0"/>
+              <a:t> </a:t>
+            </a:r>
+            <a:r>
+              <a:rPr lang="tr-TR" dirty="0" err="1"/>
+              <a:t>the</a:t>
+            </a:r>
+            <a:r>
+              <a:rPr lang="tr-TR" dirty="0"/>
+              <a:t> </a:t>
+            </a:r>
+            <a:r>
+              <a:rPr lang="tr-TR" dirty="0" err="1"/>
+              <a:t>downloaded</a:t>
+            </a:r>
+            <a:r>
+              <a:rPr lang="tr-TR" dirty="0"/>
+              <a:t> </a:t>
+            </a:r>
+            <a:r>
+              <a:rPr lang="tr-TR" dirty="0" err="1"/>
+              <a:t>package</a:t>
+            </a:r>
+            <a:r>
+              <a:rPr lang="tr-TR" dirty="0"/>
+              <a:t> </a:t>
+            </a:r>
+            <a:r>
+              <a:rPr lang="tr-TR" dirty="0" err="1"/>
+              <a:t>to</a:t>
+            </a:r>
+            <a:r>
+              <a:rPr lang="tr-TR" dirty="0"/>
+              <a:t> </a:t>
+            </a:r>
+            <a:r>
+              <a:rPr lang="tr-TR" dirty="0" err="1"/>
+              <a:t>the</a:t>
+            </a:r>
+            <a:r>
+              <a:rPr lang="tr-TR" dirty="0"/>
+              <a:t> </a:t>
+            </a:r>
+            <a:r>
+              <a:rPr lang="tr-TR" dirty="0" err="1"/>
+              <a:t>package.json</a:t>
+            </a:r>
+            <a:r>
+              <a:rPr lang="tr-TR" dirty="0"/>
+              <a:t> file.</a:t>
+            </a:r>
+          </a:p>
+        </p:txBody>
+      </p:sp>
+    </p:spTree>
+    <p:extLst>
+      <p:ext uri="{BB962C8B-B14F-4D97-AF65-F5344CB8AC3E}">
+        <p14:creationId xmlns:p14="http://schemas.microsoft.com/office/powerpoint/2010/main" val="881086934"/>
+      </p:ext>
+    </p:extLst>
+  </p:cSld>
+  <p:clrMapOvr>
+    <a:masterClrMapping/>
+  </p:clrMapOvr>
+</p:sld>
+</file>
+
+<file path=ppt/slides/slide5.xml><?xml version="1.0" encoding="utf-8"?>
+<p:sld xmlns:a="http://schemas.openxmlformats.org/drawingml/2006/main" xmlns:r="http://schemas.openxmlformats.org/officeDocument/2006/relationships" xmlns:p="http://schemas.openxmlformats.org/presentationml/2006/main">
+  <p:cSld>
+    <p:spTree>
+      <p:nvGrpSpPr>
+        <p:cNvPr id="1" name=""/>
+        <p:cNvGrpSpPr/>
+        <p:nvPr/>
+      </p:nvGrpSpPr>
+      <p:grpSpPr>
+        <a:xfrm>
+          <a:off x="0" y="0"/>
+          <a:ext cx="0" cy="0"/>
+          <a:chOff x="0" y="0"/>
+          <a:chExt cx="0" cy="0"/>
+        </a:xfrm>
+      </p:grpSpPr>
+      <p:sp>
+        <p:nvSpPr>
+          <p:cNvPr id="6" name="TextBox 5">
+            <a:extLst>
+              <a:ext uri="{FF2B5EF4-FFF2-40B4-BE49-F238E27FC236}">
+                <a16:creationId xmlns:a16="http://schemas.microsoft.com/office/drawing/2014/main" id="{6F8E91CE-4088-E84D-A6B2-AC29AC7C90BA}"/>
+              </a:ext>
+            </a:extLst>
+          </p:cNvPr>
+          <p:cNvSpPr txBox="1"/>
+          <p:nvPr/>
+        </p:nvSpPr>
+        <p:spPr>
+          <a:xfrm>
+            <a:off x="1141413" y="1760707"/>
+            <a:ext cx="4738798" cy="4893647"/>
+          </a:xfrm>
+          <a:prstGeom prst="rect">
+            <a:avLst/>
+          </a:prstGeom>
+          <a:noFill/>
+        </p:spPr>
+        <p:txBody>
+          <a:bodyPr wrap="none" rtlCol="0">
+            <a:spAutoFit/>
+          </a:bodyPr>
+          <a:lstStyle/>
+          <a:p>
+            <a:r>
+              <a:rPr lang="tr-TR" sz="1200" dirty="0"/>
+              <a:t>{</a:t>
+            </a:r>
+          </a:p>
+          <a:p>
+            <a:r>
+              <a:rPr lang="tr-TR" sz="1200" dirty="0"/>
+              <a:t>"name": "</a:t>
+            </a:r>
+            <a:r>
+              <a:rPr lang="tr-TR" sz="1200" dirty="0" err="1"/>
+              <a:t>Application_Name</a:t>
+            </a:r>
+            <a:r>
+              <a:rPr lang="tr-TR" sz="1200" dirty="0"/>
+              <a:t>",</a:t>
+            </a:r>
+          </a:p>
+          <a:p>
+            <a:r>
+              <a:rPr lang="tr-TR" sz="1200" dirty="0"/>
+              <a:t>"</a:t>
+            </a:r>
+            <a:r>
+              <a:rPr lang="tr-TR" sz="1200" dirty="0" err="1"/>
+              <a:t>version</a:t>
+            </a:r>
+            <a:r>
+              <a:rPr lang="tr-TR" sz="1200" dirty="0"/>
+              <a:t>": "0.0.1",</a:t>
+            </a:r>
+          </a:p>
+          <a:p>
+            <a:r>
+              <a:rPr lang="tr-TR" sz="1200" dirty="0"/>
+              <a:t>"</a:t>
+            </a:r>
+            <a:r>
+              <a:rPr lang="tr-TR" sz="1200" dirty="0" err="1"/>
+              <a:t>private</a:t>
+            </a:r>
+            <a:r>
+              <a:rPr lang="tr-TR" sz="1200" dirty="0"/>
+              <a:t>": </a:t>
+            </a:r>
+            <a:r>
+              <a:rPr lang="tr-TR" sz="1200" dirty="0" err="1"/>
+              <a:t>true</a:t>
+            </a:r>
+            <a:r>
+              <a:rPr lang="tr-TR" sz="1200" dirty="0"/>
+              <a:t>,</a:t>
+            </a:r>
+          </a:p>
+          <a:p>
+            <a:r>
+              <a:rPr lang="tr-TR" sz="1200" dirty="0"/>
+              <a:t>"</a:t>
+            </a:r>
+            <a:r>
+              <a:rPr lang="tr-TR" sz="1200" dirty="0" err="1"/>
+              <a:t>scripts</a:t>
+            </a:r>
+            <a:r>
+              <a:rPr lang="tr-TR" sz="1200" dirty="0"/>
+              <a:t>": {</a:t>
+            </a:r>
+          </a:p>
+          <a:p>
+            <a:r>
+              <a:rPr lang="tr-TR" sz="1200" dirty="0"/>
+              <a:t>"start": "</a:t>
+            </a:r>
+            <a:r>
+              <a:rPr lang="tr-TR" sz="1200" dirty="0" err="1"/>
+              <a:t>node</a:t>
+            </a:r>
+            <a:r>
+              <a:rPr lang="tr-TR" sz="1200" dirty="0"/>
+              <a:t> </a:t>
+            </a:r>
+            <a:r>
+              <a:rPr lang="tr-TR" sz="1200" dirty="0" err="1"/>
+              <a:t>node_modules</a:t>
+            </a:r>
+            <a:r>
+              <a:rPr lang="tr-TR" sz="1200" dirty="0"/>
+              <a:t>/</a:t>
+            </a:r>
+            <a:r>
+              <a:rPr lang="tr-TR" sz="1200" dirty="0" err="1"/>
+              <a:t>react-native</a:t>
+            </a:r>
+            <a:r>
+              <a:rPr lang="tr-TR" sz="1200" dirty="0"/>
+              <a:t>/</a:t>
+            </a:r>
+            <a:r>
+              <a:rPr lang="tr-TR" sz="1200" dirty="0" err="1"/>
+              <a:t>local</a:t>
+            </a:r>
+            <a:r>
+              <a:rPr lang="tr-TR" sz="1200" dirty="0"/>
+              <a:t>-cli/</a:t>
+            </a:r>
+            <a:r>
+              <a:rPr lang="tr-TR" sz="1200" dirty="0" err="1"/>
+              <a:t>cli.js</a:t>
+            </a:r>
+            <a:r>
+              <a:rPr lang="tr-TR" sz="1200" dirty="0"/>
+              <a:t> start",</a:t>
+            </a:r>
+          </a:p>
+          <a:p>
+            <a:r>
+              <a:rPr lang="tr-TR" sz="1200" dirty="0"/>
+              <a:t>"test": "jest"</a:t>
+            </a:r>
+          </a:p>
+          <a:p>
+            <a:r>
+              <a:rPr lang="tr-TR" sz="1200" dirty="0"/>
+              <a:t>},</a:t>
+            </a:r>
+          </a:p>
+          <a:p>
+            <a:r>
+              <a:rPr lang="tr-TR" sz="1200" dirty="0"/>
+              <a:t>"</a:t>
+            </a:r>
+            <a:r>
+              <a:rPr lang="tr-TR" sz="1200" dirty="0" err="1"/>
+              <a:t>dependencies</a:t>
+            </a:r>
+            <a:r>
+              <a:rPr lang="tr-TR" sz="1200" dirty="0"/>
+              <a:t>": {</a:t>
+            </a:r>
+          </a:p>
+          <a:p>
+            <a:r>
+              <a:rPr lang="tr-TR" sz="1200" dirty="0"/>
+              <a:t>"</a:t>
+            </a:r>
+            <a:r>
+              <a:rPr lang="tr-TR" sz="1200" dirty="0" err="1"/>
+              <a:t>axios</a:t>
+            </a:r>
+            <a:r>
+              <a:rPr lang="tr-TR" sz="1200" dirty="0"/>
+              <a:t>": "^0.15.3",</a:t>
+            </a:r>
+          </a:p>
+          <a:p>
+            <a:r>
+              <a:rPr lang="tr-TR" sz="1200" dirty="0"/>
+              <a:t>"</a:t>
+            </a:r>
+            <a:r>
+              <a:rPr lang="tr-TR" sz="1200" dirty="0" err="1"/>
+              <a:t>react</a:t>
+            </a:r>
+            <a:r>
+              <a:rPr lang="tr-TR" sz="1200" dirty="0"/>
+              <a:t>": "16.6.3",</a:t>
+            </a:r>
+          </a:p>
+          <a:p>
+            <a:r>
+              <a:rPr lang="tr-TR" sz="1200" dirty="0"/>
+              <a:t>"</a:t>
+            </a:r>
+            <a:r>
+              <a:rPr lang="tr-TR" sz="1200" dirty="0" err="1"/>
+              <a:t>react-native</a:t>
+            </a:r>
+            <a:r>
+              <a:rPr lang="tr-TR" sz="1200" dirty="0"/>
+              <a:t>": "0.57.8",</a:t>
+            </a:r>
+          </a:p>
+          <a:p>
+            <a:r>
+              <a:rPr lang="tr-TR" sz="1200" dirty="0"/>
+              <a:t>"</a:t>
+            </a:r>
+            <a:r>
+              <a:rPr lang="tr-TR" sz="1200" dirty="0" err="1"/>
+              <a:t>react-native-maps</a:t>
+            </a:r>
+            <a:r>
+              <a:rPr lang="tr-TR" sz="1200" dirty="0"/>
+              <a:t>": "^0.22.1",</a:t>
+            </a:r>
+          </a:p>
+          <a:p>
+            <a:r>
+              <a:rPr lang="tr-TR" sz="1200" dirty="0"/>
+              <a:t>"</a:t>
+            </a:r>
+            <a:r>
+              <a:rPr lang="tr-TR" sz="1200" dirty="0" err="1"/>
+              <a:t>react-native-router-flux</a:t>
+            </a:r>
+            <a:r>
+              <a:rPr lang="tr-TR" sz="1200" dirty="0"/>
+              <a:t>": "^4.0.6"</a:t>
+            </a:r>
+          </a:p>
+          <a:p>
+            <a:r>
+              <a:rPr lang="tr-TR" sz="1200" dirty="0"/>
+              <a:t>},</a:t>
+            </a:r>
+          </a:p>
+          <a:p>
+            <a:r>
+              <a:rPr lang="tr-TR" sz="1200" dirty="0"/>
+              <a:t>"</a:t>
+            </a:r>
+            <a:r>
+              <a:rPr lang="tr-TR" sz="1200" dirty="0" err="1"/>
+              <a:t>devDependencies</a:t>
+            </a:r>
+            <a:r>
+              <a:rPr lang="tr-TR" sz="1200" dirty="0"/>
+              <a:t>": {</a:t>
+            </a:r>
+          </a:p>
+          <a:p>
+            <a:r>
+              <a:rPr lang="tr-TR" sz="1200" dirty="0"/>
+              <a:t>"</a:t>
+            </a:r>
+            <a:r>
+              <a:rPr lang="tr-TR" sz="1200" dirty="0" err="1"/>
+              <a:t>babel</a:t>
+            </a:r>
+            <a:r>
+              <a:rPr lang="tr-TR" sz="1200" dirty="0"/>
+              <a:t>-jest": "23.6.0",</a:t>
+            </a:r>
+          </a:p>
+          <a:p>
+            <a:r>
+              <a:rPr lang="tr-TR" sz="1200" dirty="0"/>
+              <a:t>"jest": "23.6.0",</a:t>
+            </a:r>
+          </a:p>
+          <a:p>
+            <a:r>
+              <a:rPr lang="tr-TR" sz="1200" dirty="0"/>
+              <a:t>"metro-</a:t>
+            </a:r>
+            <a:r>
+              <a:rPr lang="tr-TR" sz="1200" dirty="0" err="1"/>
+              <a:t>react</a:t>
+            </a:r>
+            <a:r>
+              <a:rPr lang="tr-TR" sz="1200" dirty="0"/>
+              <a:t>-</a:t>
+            </a:r>
+            <a:r>
+              <a:rPr lang="tr-TR" sz="1200" dirty="0" err="1"/>
+              <a:t>native-babel-preset</a:t>
+            </a:r>
+            <a:r>
+              <a:rPr lang="tr-TR" sz="1200" dirty="0"/>
+              <a:t>": "0.51.1",</a:t>
+            </a:r>
+          </a:p>
+          <a:p>
+            <a:r>
+              <a:rPr lang="tr-TR" sz="1200" dirty="0"/>
+              <a:t>"</a:t>
+            </a:r>
+            <a:r>
+              <a:rPr lang="tr-TR" sz="1200" dirty="0" err="1"/>
+              <a:t>react</a:t>
+            </a:r>
+            <a:r>
+              <a:rPr lang="tr-TR" sz="1200" dirty="0"/>
+              <a:t>-test-</a:t>
+            </a:r>
+            <a:r>
+              <a:rPr lang="tr-TR" sz="1200" dirty="0" err="1"/>
+              <a:t>renderer</a:t>
+            </a:r>
+            <a:r>
+              <a:rPr lang="tr-TR" sz="1200" dirty="0"/>
+              <a:t>": "16.6.3"</a:t>
+            </a:r>
+          </a:p>
+          <a:p>
+            <a:r>
+              <a:rPr lang="tr-TR" sz="1200" dirty="0"/>
+              <a:t>},</a:t>
+            </a:r>
+          </a:p>
+          <a:p>
+            <a:r>
+              <a:rPr lang="tr-TR" sz="1200" dirty="0"/>
+              <a:t>"jest": {</a:t>
+            </a:r>
+          </a:p>
+          <a:p>
+            <a:r>
+              <a:rPr lang="tr-TR" sz="1200" dirty="0"/>
+              <a:t>"</a:t>
+            </a:r>
+            <a:r>
+              <a:rPr lang="tr-TR" sz="1200" dirty="0" err="1"/>
+              <a:t>preset</a:t>
+            </a:r>
+            <a:r>
+              <a:rPr lang="tr-TR" sz="1200" dirty="0"/>
+              <a:t>": "</a:t>
+            </a:r>
+            <a:r>
+              <a:rPr lang="tr-TR" sz="1200" dirty="0" err="1"/>
+              <a:t>react-native</a:t>
+            </a:r>
+            <a:r>
+              <a:rPr lang="tr-TR" sz="1200" dirty="0"/>
+              <a:t>"</a:t>
+            </a:r>
+          </a:p>
+          <a:p>
+            <a:r>
+              <a:rPr lang="tr-TR" sz="1200" dirty="0"/>
+              <a:t>}</a:t>
+            </a:r>
+          </a:p>
+          <a:p>
+            <a:r>
+              <a:rPr lang="tr-TR" sz="1200" dirty="0"/>
+              <a:t>}</a:t>
+            </a:r>
+          </a:p>
+          <a:p>
+            <a:endParaRPr lang="tr-TR" sz="1200" dirty="0"/>
+          </a:p>
+        </p:txBody>
+      </p:sp>
+      <p:sp>
+        <p:nvSpPr>
+          <p:cNvPr id="8" name="Title 1">
+            <a:extLst>
+              <a:ext uri="{FF2B5EF4-FFF2-40B4-BE49-F238E27FC236}">
+                <a16:creationId xmlns:a16="http://schemas.microsoft.com/office/drawing/2014/main" id="{82181D69-66F6-364C-AD36-828599FC90B0}"/>
+              </a:ext>
+            </a:extLst>
+          </p:cNvPr>
+          <p:cNvSpPr>
+            <a:spLocks noGrp="1"/>
+          </p:cNvSpPr>
+          <p:nvPr>
+            <p:ph type="title"/>
+          </p:nvPr>
+        </p:nvSpPr>
+        <p:spPr>
+          <a:xfrm>
+            <a:off x="1141413" y="609600"/>
+            <a:ext cx="9905998" cy="1905000"/>
+          </a:xfrm>
+        </p:spPr>
+        <p:txBody>
+          <a:bodyPr/>
+          <a:lstStyle/>
+          <a:p>
+            <a:r>
+              <a:rPr lang="tr-TR" b="1" dirty="0" err="1">
+                <a:effectLst/>
+              </a:rPr>
+              <a:t>Package.json</a:t>
+            </a:r>
+            <a:r>
+              <a:rPr lang="tr-TR" b="1" dirty="0">
+                <a:effectLst/>
+              </a:rPr>
+              <a:t> </a:t>
+            </a:r>
+            <a:r>
+              <a:rPr lang="tr-TR" b="1" dirty="0" err="1">
+                <a:effectLst/>
+              </a:rPr>
+              <a:t>Sample</a:t>
+            </a:r>
+            <a:br>
+              <a:rPr lang="tr-TR" b="1" dirty="0">
+                <a:effectLst/>
+              </a:rPr>
+            </a:br>
+            <a:endParaRPr lang="tr-TR" dirty="0"/>
+          </a:p>
+        </p:txBody>
+      </p:sp>
+    </p:spTree>
+    <p:extLst>
+      <p:ext uri="{BB962C8B-B14F-4D97-AF65-F5344CB8AC3E}">
+        <p14:creationId xmlns:p14="http://schemas.microsoft.com/office/powerpoint/2010/main" val="544693420"/>
+      </p:ext>
+    </p:extLst>
+  </p:cSld>
+  <p:clrMapOvr>
+    <a:masterClrMapping/>
+  </p:clrMapOvr>
+</p:sld>
+</file>
+
+<file path=ppt/slides/slide6.xml><?xml version="1.0" encoding="utf-8"?>
+<p:sld xmlns:a="http://schemas.openxmlformats.org/drawingml/2006/main" xmlns:r="http://schemas.openxmlformats.org/officeDocument/2006/relationships" xmlns:p="http://schemas.openxmlformats.org/presentationml/2006/main">
+  <p:cSld>
+    <p:spTree>
+      <p:nvGrpSpPr>
+        <p:cNvPr id="1" name=""/>
+        <p:cNvGrpSpPr/>
+        <p:nvPr/>
+      </p:nvGrpSpPr>
+      <p:grpSpPr>
+        <a:xfrm>
+          <a:off x="0" y="0"/>
+          <a:ext cx="0" cy="0"/>
+          <a:chOff x="0" y="0"/>
+          <a:chExt cx="0" cy="0"/>
+        </a:xfrm>
+      </p:grpSpPr>
+      <p:sp>
+        <p:nvSpPr>
+          <p:cNvPr id="2" name="Title 1">
+            <a:extLst>
+              <a:ext uri="{FF2B5EF4-FFF2-40B4-BE49-F238E27FC236}">
+                <a16:creationId xmlns:a16="http://schemas.microsoft.com/office/drawing/2014/main" id="{B4FB542D-6A38-4E4F-94EE-EBB8ADFF7086}"/>
+              </a:ext>
+            </a:extLst>
+          </p:cNvPr>
+          <p:cNvSpPr>
+            <a:spLocks noGrp="1"/>
+          </p:cNvSpPr>
+          <p:nvPr>
+            <p:ph type="title"/>
+          </p:nvPr>
+        </p:nvSpPr>
+        <p:spPr/>
+        <p:txBody>
+          <a:bodyPr/>
+          <a:lstStyle/>
+          <a:p>
+            <a:r>
+              <a:rPr lang="tr-TR" b="1" dirty="0">
+                <a:effectLst/>
+              </a:rPr>
+              <a:t>ES6 : </a:t>
+            </a:r>
+            <a:r>
+              <a:rPr lang="tr-TR" b="1" dirty="0" err="1">
+                <a:effectLst/>
+              </a:rPr>
+              <a:t>EcmaScrıpt</a:t>
+            </a:r>
+            <a:endParaRPr lang="tr-TR" b="1" dirty="0">
+              <a:effectLst/>
+            </a:endParaRPr>
+          </a:p>
+        </p:txBody>
+      </p:sp>
+      <p:sp>
+        <p:nvSpPr>
+          <p:cNvPr id="5" name="TextBox 4">
+            <a:extLst>
+              <a:ext uri="{FF2B5EF4-FFF2-40B4-BE49-F238E27FC236}">
+                <a16:creationId xmlns:a16="http://schemas.microsoft.com/office/drawing/2014/main" id="{3FF58269-B1C2-2D4F-BC8D-BF9F323C1284}"/>
+              </a:ext>
+            </a:extLst>
+          </p:cNvPr>
+          <p:cNvSpPr txBox="1"/>
+          <p:nvPr/>
+        </p:nvSpPr>
+        <p:spPr>
+          <a:xfrm>
+            <a:off x="1141413" y="2191434"/>
+            <a:ext cx="10214446" cy="3970318"/>
+          </a:xfrm>
+          <a:prstGeom prst="rect">
+            <a:avLst/>
+          </a:prstGeom>
+          <a:noFill/>
+        </p:spPr>
+        <p:txBody>
+          <a:bodyPr wrap="square" rtlCol="0">
+            <a:spAutoFit/>
+          </a:bodyPr>
+          <a:lstStyle/>
+          <a:p>
+            <a:pPr marL="285750" indent="-285750">
+              <a:buFont typeface="Arial" panose="020B0604020202020204" pitchFamily="34" charset="0"/>
+              <a:buChar char="•"/>
+            </a:pPr>
+            <a:r>
+              <a:rPr lang="tr-TR" dirty="0"/>
+              <a:t>New </a:t>
+            </a:r>
+            <a:r>
+              <a:rPr lang="tr-TR" dirty="0" err="1"/>
+              <a:t>version</a:t>
+            </a:r>
+            <a:r>
+              <a:rPr lang="tr-TR" dirty="0"/>
+              <a:t> of </a:t>
+            </a:r>
+            <a:r>
+              <a:rPr lang="tr-TR" dirty="0" err="1"/>
+              <a:t>the</a:t>
+            </a:r>
+            <a:r>
+              <a:rPr lang="tr-TR" dirty="0"/>
+              <a:t> </a:t>
+            </a:r>
+            <a:r>
+              <a:rPr lang="tr-TR" dirty="0" err="1"/>
+              <a:t>Javascript</a:t>
+            </a:r>
+            <a:r>
+              <a:rPr lang="tr-TR" dirty="0"/>
+              <a:t> </a:t>
+            </a:r>
+            <a:r>
+              <a:rPr lang="tr-TR" dirty="0" err="1"/>
+              <a:t>language</a:t>
+            </a:r>
+            <a:r>
+              <a:rPr lang="tr-TR" dirty="0"/>
+              <a:t>.</a:t>
+            </a:r>
+          </a:p>
+          <a:p>
+            <a:pPr marL="285750" indent="-285750">
+              <a:buFont typeface="Arial" panose="020B0604020202020204" pitchFamily="34" charset="0"/>
+              <a:buChar char="•"/>
+            </a:pPr>
+            <a:endParaRPr lang="tr-TR" dirty="0"/>
+          </a:p>
+          <a:p>
+            <a:pPr marL="285750" indent="-285750">
+              <a:buFont typeface="Arial" panose="020B0604020202020204" pitchFamily="34" charset="0"/>
+              <a:buChar char="•"/>
+            </a:pPr>
+            <a:r>
+              <a:rPr lang="tr-TR" dirty="0" err="1"/>
+              <a:t>Who</a:t>
+            </a:r>
+            <a:r>
+              <a:rPr lang="tr-TR" dirty="0"/>
+              <a:t>  </a:t>
+            </a:r>
+            <a:r>
+              <a:rPr lang="tr-TR" dirty="0" err="1"/>
+              <a:t>are</a:t>
+            </a:r>
+            <a:r>
+              <a:rPr lang="tr-TR" dirty="0"/>
+              <a:t> </a:t>
+            </a:r>
+            <a:r>
+              <a:rPr lang="tr-TR" dirty="0" err="1"/>
+              <a:t>developing</a:t>
+            </a:r>
+            <a:r>
+              <a:rPr lang="tr-TR" dirty="0"/>
+              <a:t> </a:t>
+            </a:r>
+            <a:r>
+              <a:rPr lang="tr-TR" dirty="0" err="1"/>
+              <a:t>this</a:t>
+            </a:r>
+            <a:r>
+              <a:rPr lang="tr-TR" dirty="0"/>
+              <a:t> </a:t>
+            </a:r>
+            <a:r>
+              <a:rPr lang="tr-TR" dirty="0" err="1"/>
+              <a:t>language</a:t>
+            </a:r>
+            <a:r>
+              <a:rPr lang="tr-TR" dirty="0"/>
+              <a:t>?</a:t>
+            </a:r>
+          </a:p>
+          <a:p>
+            <a:pPr marL="742950" lvl="1" indent="-285750">
+              <a:buFont typeface="Arial" panose="020B0604020202020204" pitchFamily="34" charset="0"/>
+              <a:buChar char="•"/>
+            </a:pPr>
+            <a:r>
+              <a:rPr lang="tr-TR" dirty="0"/>
+              <a:t>An </a:t>
+            </a:r>
+            <a:r>
+              <a:rPr lang="tr-TR" dirty="0" err="1"/>
+              <a:t>organization</a:t>
+            </a:r>
+            <a:r>
+              <a:rPr lang="tr-TR" dirty="0"/>
+              <a:t> </a:t>
+            </a:r>
+            <a:r>
+              <a:rPr lang="tr-TR" dirty="0" err="1"/>
+              <a:t>called</a:t>
+            </a:r>
+            <a:r>
+              <a:rPr lang="tr-TR" dirty="0"/>
+              <a:t> ECMA International </a:t>
+            </a:r>
+            <a:r>
+              <a:rPr lang="tr-TR" dirty="0" err="1"/>
+              <a:t>sets</a:t>
+            </a:r>
+            <a:r>
+              <a:rPr lang="tr-TR" dirty="0"/>
+              <a:t> </a:t>
+            </a:r>
+            <a:r>
+              <a:rPr lang="tr-TR" dirty="0" err="1"/>
+              <a:t>the</a:t>
+            </a:r>
+            <a:r>
+              <a:rPr lang="tr-TR" dirty="0"/>
+              <a:t> </a:t>
+            </a:r>
+            <a:r>
+              <a:rPr lang="tr-TR" dirty="0" err="1"/>
+              <a:t>rules</a:t>
+            </a:r>
+            <a:r>
+              <a:rPr lang="tr-TR" dirty="0"/>
+              <a:t> </a:t>
+            </a:r>
+            <a:r>
+              <a:rPr lang="tr-TR" dirty="0" err="1"/>
+              <a:t>for</a:t>
+            </a:r>
+            <a:r>
+              <a:rPr lang="tr-TR" dirty="0"/>
+              <a:t> </a:t>
+            </a:r>
+            <a:r>
+              <a:rPr lang="tr-TR" dirty="0" err="1"/>
+              <a:t>Javascript</a:t>
+            </a:r>
+            <a:r>
+              <a:rPr lang="tr-TR" dirty="0"/>
+              <a:t> </a:t>
+            </a:r>
+            <a:r>
+              <a:rPr lang="tr-TR" dirty="0" err="1"/>
+              <a:t>and</a:t>
+            </a:r>
+            <a:r>
+              <a:rPr lang="tr-TR" dirty="0"/>
+              <a:t> </a:t>
+            </a:r>
+            <a:r>
+              <a:rPr lang="tr-TR" dirty="0" err="1"/>
+              <a:t>initiates</a:t>
+            </a:r>
+            <a:r>
+              <a:rPr lang="tr-TR" dirty="0"/>
+              <a:t> </a:t>
+            </a:r>
+            <a:r>
+              <a:rPr lang="tr-TR" dirty="0" err="1"/>
+              <a:t>its</a:t>
+            </a:r>
+            <a:r>
+              <a:rPr lang="tr-TR" dirty="0"/>
+              <a:t> </a:t>
+            </a:r>
+            <a:r>
+              <a:rPr lang="tr-TR" dirty="0" err="1"/>
+              <a:t>development</a:t>
+            </a:r>
+            <a:r>
+              <a:rPr lang="tr-TR" dirty="0"/>
+              <a:t>. </a:t>
+            </a:r>
+            <a:r>
+              <a:rPr lang="tr-TR" dirty="0" err="1"/>
+              <a:t>All</a:t>
+            </a:r>
+            <a:r>
+              <a:rPr lang="tr-TR" dirty="0"/>
+              <a:t> </a:t>
+            </a:r>
+            <a:r>
+              <a:rPr lang="tr-TR" dirty="0" err="1"/>
+              <a:t>development</a:t>
+            </a:r>
+            <a:r>
+              <a:rPr lang="tr-TR" dirty="0"/>
+              <a:t> is </a:t>
+            </a:r>
+            <a:r>
+              <a:rPr lang="tr-TR" dirty="0" err="1"/>
+              <a:t>open</a:t>
+            </a:r>
+            <a:r>
+              <a:rPr lang="tr-TR" dirty="0"/>
+              <a:t> </a:t>
+            </a:r>
+            <a:r>
+              <a:rPr lang="tr-TR" dirty="0" err="1"/>
+              <a:t>source</a:t>
+            </a:r>
+            <a:r>
+              <a:rPr lang="tr-TR" dirty="0"/>
+              <a:t>.</a:t>
+            </a:r>
+          </a:p>
+          <a:p>
+            <a:pPr lvl="1"/>
+            <a:endParaRPr lang="tr-TR" dirty="0"/>
+          </a:p>
+          <a:p>
+            <a:pPr marL="285750" indent="-285750">
+              <a:buFont typeface="Arial" panose="020B0604020202020204" pitchFamily="34" charset="0"/>
+              <a:buChar char="•"/>
+            </a:pPr>
+            <a:r>
+              <a:rPr lang="tr-TR" dirty="0"/>
+              <a:t>Java </a:t>
+            </a:r>
+            <a:r>
+              <a:rPr lang="tr-TR" dirty="0" err="1"/>
+              <a:t>Script</a:t>
+            </a:r>
+            <a:r>
+              <a:rPr lang="tr-TR" dirty="0"/>
+              <a:t> </a:t>
+            </a:r>
+            <a:r>
+              <a:rPr lang="tr-TR" dirty="0" err="1"/>
+              <a:t>Code</a:t>
+            </a:r>
+            <a:endParaRPr lang="tr-TR" dirty="0"/>
+          </a:p>
+          <a:p>
+            <a:pPr marL="742950" lvl="1" indent="-285750">
+              <a:buFont typeface="Arial" panose="020B0604020202020204" pitchFamily="34" charset="0"/>
+              <a:buChar char="•"/>
+            </a:pPr>
+            <a:r>
+              <a:rPr lang="tr-TR" dirty="0"/>
+              <a:t>var </a:t>
+            </a:r>
+            <a:r>
+              <a:rPr lang="tr-TR" dirty="0" err="1"/>
+              <a:t>squere</a:t>
+            </a:r>
+            <a:r>
+              <a:rPr lang="tr-TR" dirty="0"/>
+              <a:t> = </a:t>
+            </a:r>
+            <a:r>
+              <a:rPr lang="tr-TR" dirty="0" err="1"/>
+              <a:t>function</a:t>
+            </a:r>
+            <a:r>
+              <a:rPr lang="tr-TR" dirty="0"/>
+              <a:t>(a) {</a:t>
+            </a:r>
+            <a:br>
+              <a:rPr lang="tr-TR" dirty="0"/>
+            </a:br>
+            <a:r>
+              <a:rPr lang="tr-TR" dirty="0" err="1"/>
+              <a:t>return</a:t>
+            </a:r>
+            <a:r>
+              <a:rPr lang="tr-TR" dirty="0"/>
+              <a:t> a * a;</a:t>
+            </a:r>
+            <a:br>
+              <a:rPr lang="tr-TR" dirty="0"/>
+            </a:br>
+            <a:r>
+              <a:rPr lang="tr-TR" dirty="0"/>
+              <a:t>};</a:t>
+            </a:r>
+          </a:p>
+          <a:p>
+            <a:pPr marL="742950" lvl="1" indent="-285750">
+              <a:buFont typeface="Arial" panose="020B0604020202020204" pitchFamily="34" charset="0"/>
+              <a:buChar char="•"/>
+            </a:pPr>
+            <a:endParaRPr lang="tr-TR" dirty="0"/>
+          </a:p>
+          <a:p>
+            <a:pPr marL="285750" indent="-285750">
+              <a:buFont typeface="Arial" panose="020B0604020202020204" pitchFamily="34" charset="0"/>
+              <a:buChar char="•"/>
+            </a:pPr>
+            <a:r>
+              <a:rPr lang="tr-TR" dirty="0"/>
+              <a:t>ES6</a:t>
+            </a:r>
+          </a:p>
+          <a:p>
+            <a:pPr marL="742950" lvl="1" indent="-285750">
+              <a:buFont typeface="Arial" panose="020B0604020202020204" pitchFamily="34" charset="0"/>
+              <a:buChar char="•"/>
+            </a:pPr>
+            <a:r>
+              <a:rPr lang="tr-TR" dirty="0" err="1"/>
+              <a:t>const</a:t>
+            </a:r>
+            <a:r>
+              <a:rPr lang="tr-TR" dirty="0"/>
+              <a:t> </a:t>
+            </a:r>
+            <a:r>
+              <a:rPr lang="tr-TR" dirty="0" err="1"/>
+              <a:t>squere</a:t>
+            </a:r>
+            <a:r>
+              <a:rPr lang="tr-TR" dirty="0"/>
+              <a:t> = a =&gt; a * a</a:t>
+            </a:r>
+          </a:p>
+          <a:p>
+            <a:pPr marL="285750" indent="-285750">
+              <a:buFont typeface="Arial" panose="020B0604020202020204" pitchFamily="34" charset="0"/>
+              <a:buChar char="•"/>
+            </a:pPr>
+            <a:endParaRPr lang="tr-TR" dirty="0"/>
+          </a:p>
+        </p:txBody>
+      </p:sp>
+    </p:spTree>
+    <p:extLst>
+      <p:ext uri="{BB962C8B-B14F-4D97-AF65-F5344CB8AC3E}">
+        <p14:creationId xmlns:p14="http://schemas.microsoft.com/office/powerpoint/2010/main" val="1865543427"/>
+      </p:ext>
+    </p:extLst>
+  </p:cSld>
+  <p:clrMapOvr>
+    <a:masterClrMapping/>
+  </p:clrMapOvr>
+</p:sld>
+</file>
+
+<file path=ppt/slides/slide7.xml><?xml version="1.0" encoding="utf-8"?>
+<p:sld xmlns:a="http://schemas.openxmlformats.org/drawingml/2006/main" xmlns:r="http://schemas.openxmlformats.org/officeDocument/2006/relationships" xmlns:p="http://schemas.openxmlformats.org/presentationml/2006/main">
+  <p:cSld>
+    <p:spTree>
+      <p:nvGrpSpPr>
+        <p:cNvPr id="1" name=""/>
+        <p:cNvGrpSpPr/>
+        <p:nvPr/>
+      </p:nvGrpSpPr>
+      <p:grpSpPr>
+        <a:xfrm>
+          <a:off x="0" y="0"/>
+          <a:ext cx="0" cy="0"/>
+          <a:chOff x="0" y="0"/>
+          <a:chExt cx="0" cy="0"/>
+        </a:xfrm>
+      </p:grpSpPr>
+      <p:sp>
+        <p:nvSpPr>
+          <p:cNvPr id="2" name="Title 1">
+            <a:extLst>
+              <a:ext uri="{FF2B5EF4-FFF2-40B4-BE49-F238E27FC236}">
+                <a16:creationId xmlns:a16="http://schemas.microsoft.com/office/drawing/2014/main" id="{6F366694-DA83-4044-ABA2-6E922E85DD43}"/>
+              </a:ext>
+            </a:extLst>
+          </p:cNvPr>
+          <p:cNvSpPr>
+            <a:spLocks noGrp="1"/>
+          </p:cNvSpPr>
+          <p:nvPr>
+            <p:ph type="title"/>
+          </p:nvPr>
+        </p:nvSpPr>
+        <p:spPr/>
+        <p:txBody>
+          <a:bodyPr/>
+          <a:lstStyle/>
+          <a:p>
+            <a:r>
+              <a:rPr lang="tr-TR" dirty="0"/>
+              <a:t>BABEL</a:t>
+            </a:r>
+          </a:p>
+        </p:txBody>
+      </p:sp>
+      <p:sp>
+        <p:nvSpPr>
+          <p:cNvPr id="4" name="TextBox 3">
+            <a:extLst>
+              <a:ext uri="{FF2B5EF4-FFF2-40B4-BE49-F238E27FC236}">
+                <a16:creationId xmlns:a16="http://schemas.microsoft.com/office/drawing/2014/main" id="{2A42910D-9EDA-8840-96AB-D3843EAB5A5A}"/>
+              </a:ext>
+            </a:extLst>
+          </p:cNvPr>
+          <p:cNvSpPr txBox="1"/>
+          <p:nvPr/>
+        </p:nvSpPr>
+        <p:spPr>
+          <a:xfrm>
+            <a:off x="1141413" y="2446638"/>
+            <a:ext cx="10498651" cy="2031325"/>
+          </a:xfrm>
+          <a:prstGeom prst="rect">
+            <a:avLst/>
+          </a:prstGeom>
+          <a:noFill/>
+        </p:spPr>
+        <p:txBody>
+          <a:bodyPr wrap="square" rtlCol="0">
+            <a:spAutoFit/>
+          </a:bodyPr>
+          <a:lstStyle/>
+          <a:p>
+            <a:pPr marL="285750" indent="-285750">
+              <a:buFont typeface="Arial" panose="020B0604020202020204" pitchFamily="34" charset="0"/>
+              <a:buChar char="•"/>
+            </a:pPr>
+            <a:r>
+              <a:rPr lang="tr-TR" dirty="0" err="1"/>
+              <a:t>current</a:t>
+            </a:r>
+            <a:r>
+              <a:rPr lang="tr-TR" dirty="0"/>
+              <a:t> </a:t>
+            </a:r>
+            <a:r>
+              <a:rPr lang="tr-TR" dirty="0" err="1"/>
+              <a:t>browsers</a:t>
+            </a:r>
+            <a:r>
+              <a:rPr lang="tr-TR" dirty="0"/>
+              <a:t> </a:t>
+            </a:r>
+            <a:r>
+              <a:rPr lang="tr-TR" dirty="0" err="1"/>
+              <a:t>are</a:t>
+            </a:r>
+            <a:r>
+              <a:rPr lang="tr-TR" dirty="0"/>
+              <a:t> not </a:t>
+            </a:r>
+            <a:r>
+              <a:rPr lang="tr-TR" dirty="0" err="1"/>
+              <a:t>running</a:t>
+            </a:r>
+            <a:r>
+              <a:rPr lang="tr-TR" dirty="0"/>
+              <a:t> es6 </a:t>
+            </a:r>
+            <a:r>
+              <a:rPr lang="tr-TR" dirty="0" err="1"/>
+              <a:t>codes</a:t>
+            </a:r>
+            <a:endParaRPr lang="tr-TR" dirty="0"/>
+          </a:p>
+          <a:p>
+            <a:pPr marL="285750" indent="-285750">
+              <a:buFont typeface="Arial" panose="020B0604020202020204" pitchFamily="34" charset="0"/>
+              <a:buChar char="•"/>
+            </a:pPr>
+            <a:endParaRPr lang="tr-TR" dirty="0"/>
+          </a:p>
+          <a:p>
+            <a:pPr marL="285750" indent="-285750">
+              <a:buFont typeface="Arial" panose="020B0604020202020204" pitchFamily="34" charset="0"/>
+              <a:buChar char="•"/>
+            </a:pPr>
+            <a:r>
+              <a:rPr lang="tr-TR" dirty="0"/>
+              <a:t>in </a:t>
+            </a:r>
+            <a:r>
+              <a:rPr lang="tr-TR" dirty="0" err="1"/>
+              <a:t>this</a:t>
+            </a:r>
+            <a:r>
+              <a:rPr lang="tr-TR" dirty="0"/>
+              <a:t> </a:t>
+            </a:r>
+            <a:r>
+              <a:rPr lang="tr-TR" dirty="0" err="1"/>
+              <a:t>case</a:t>
+            </a:r>
+            <a:r>
+              <a:rPr lang="tr-TR" dirty="0"/>
+              <a:t>, </a:t>
+            </a:r>
+            <a:r>
+              <a:rPr lang="tr-TR" dirty="0" err="1"/>
+              <a:t>babel</a:t>
+            </a:r>
+            <a:r>
+              <a:rPr lang="tr-TR" dirty="0"/>
+              <a:t> </a:t>
+            </a:r>
+            <a:r>
+              <a:rPr lang="tr-TR" dirty="0" err="1"/>
+              <a:t>provides</a:t>
+            </a:r>
+            <a:r>
+              <a:rPr lang="tr-TR" dirty="0"/>
+              <a:t> </a:t>
+            </a:r>
+            <a:r>
+              <a:rPr lang="tr-TR" dirty="0" err="1"/>
+              <a:t>the</a:t>
+            </a:r>
+            <a:r>
+              <a:rPr lang="tr-TR" dirty="0"/>
+              <a:t> </a:t>
+            </a:r>
+            <a:r>
+              <a:rPr lang="tr-TR" dirty="0" err="1"/>
+              <a:t>ability</a:t>
+            </a:r>
+            <a:r>
+              <a:rPr lang="tr-TR" dirty="0"/>
+              <a:t> </a:t>
+            </a:r>
+            <a:r>
+              <a:rPr lang="tr-TR" dirty="0" err="1"/>
+              <a:t>to</a:t>
+            </a:r>
+            <a:r>
+              <a:rPr lang="tr-TR" dirty="0"/>
+              <a:t> </a:t>
+            </a:r>
+            <a:r>
+              <a:rPr lang="tr-TR" dirty="0" err="1"/>
+              <a:t>translate</a:t>
+            </a:r>
+            <a:r>
+              <a:rPr lang="tr-TR" dirty="0"/>
+              <a:t> es6 </a:t>
+            </a:r>
+            <a:r>
+              <a:rPr lang="tr-TR" dirty="0" err="1"/>
+              <a:t>codes</a:t>
+            </a:r>
+            <a:r>
+              <a:rPr lang="tr-TR" dirty="0"/>
+              <a:t> </a:t>
+            </a:r>
+            <a:r>
+              <a:rPr lang="tr-TR" dirty="0" err="1"/>
+              <a:t>into</a:t>
+            </a:r>
+            <a:r>
+              <a:rPr lang="tr-TR" dirty="0"/>
+              <a:t> browser </a:t>
+            </a:r>
+            <a:r>
+              <a:rPr lang="tr-TR" dirty="0" err="1"/>
+              <a:t>interpretable</a:t>
+            </a:r>
+            <a:r>
+              <a:rPr lang="tr-TR" dirty="0"/>
+              <a:t> </a:t>
+            </a:r>
+            <a:r>
+              <a:rPr lang="tr-TR" dirty="0" err="1"/>
+              <a:t>codes</a:t>
+            </a:r>
+            <a:r>
+              <a:rPr lang="tr-TR" dirty="0"/>
+              <a:t>. </a:t>
+            </a:r>
+          </a:p>
+          <a:p>
+            <a:pPr marL="285750" indent="-285750">
+              <a:buFont typeface="Arial" panose="020B0604020202020204" pitchFamily="34" charset="0"/>
+              <a:buChar char="•"/>
+            </a:pPr>
+            <a:endParaRPr lang="tr-TR" dirty="0"/>
+          </a:p>
+          <a:p>
+            <a:pPr marL="285750" indent="-285750">
+              <a:buFont typeface="Arial" panose="020B0604020202020204" pitchFamily="34" charset="0"/>
+              <a:buChar char="•"/>
+            </a:pPr>
+            <a:r>
+              <a:rPr lang="tr-TR" dirty="0" err="1"/>
+              <a:t>So</a:t>
+            </a:r>
+            <a:r>
+              <a:rPr lang="tr-TR" dirty="0"/>
+              <a:t> </a:t>
+            </a:r>
+            <a:r>
+              <a:rPr lang="tr-TR" dirty="0" err="1"/>
+              <a:t>babel</a:t>
+            </a:r>
+            <a:r>
+              <a:rPr lang="tr-TR" dirty="0"/>
+              <a:t> is a </a:t>
+            </a:r>
+            <a:r>
+              <a:rPr lang="tr-TR" dirty="0" err="1"/>
+              <a:t>kind</a:t>
+            </a:r>
+            <a:r>
+              <a:rPr lang="tr-TR" dirty="0"/>
+              <a:t> of </a:t>
+            </a:r>
+            <a:r>
+              <a:rPr lang="tr-TR" dirty="0" err="1"/>
+              <a:t>javascript</a:t>
+            </a:r>
+            <a:r>
+              <a:rPr lang="tr-TR" dirty="0"/>
+              <a:t> </a:t>
+            </a:r>
+            <a:r>
+              <a:rPr lang="tr-TR" dirty="0" err="1"/>
+              <a:t>translator</a:t>
+            </a:r>
+            <a:r>
+              <a:rPr lang="tr-TR" dirty="0"/>
+              <a:t> </a:t>
+            </a:r>
+            <a:r>
+              <a:rPr lang="tr-TR" dirty="0" err="1"/>
+              <a:t>between</a:t>
+            </a:r>
+            <a:r>
+              <a:rPr lang="tr-TR" dirty="0"/>
+              <a:t> </a:t>
+            </a:r>
+            <a:r>
+              <a:rPr lang="tr-TR" dirty="0" err="1"/>
+              <a:t>versions</a:t>
+            </a:r>
+            <a:r>
+              <a:rPr lang="tr-TR" dirty="0"/>
+              <a:t>.</a:t>
+            </a:r>
+          </a:p>
+          <a:p>
+            <a:pPr marL="285750" indent="-285750">
+              <a:buFont typeface="Arial" panose="020B0604020202020204" pitchFamily="34" charset="0"/>
+              <a:buChar char="•"/>
+            </a:pPr>
+            <a:endParaRPr lang="tr-TR" dirty="0"/>
+          </a:p>
+        </p:txBody>
+      </p:sp>
+    </p:spTree>
+    <p:extLst>
+      <p:ext uri="{BB962C8B-B14F-4D97-AF65-F5344CB8AC3E}">
+        <p14:creationId xmlns:p14="http://schemas.microsoft.com/office/powerpoint/2010/main" val="2313188646"/>
+      </p:ext>
+    </p:extLst>
+  </p:cSld>
+  <p:clrMapOvr>
+    <a:masterClrMapping/>
+  </p:clrMapOvr>
+</p:sld>
+</file>
+
+<file path=ppt/slides/slide8.xml><?xml version="1.0" encoding="utf-8"?>
+<p:sld xmlns:a="http://schemas.openxmlformats.org/drawingml/2006/main" xmlns:r="http://schemas.openxmlformats.org/officeDocument/2006/relationships" xmlns:p="http://schemas.openxmlformats.org/presentationml/2006/main">
+  <p:cSld>
+    <p:spTree>
+      <p:nvGrpSpPr>
+        <p:cNvPr id="1" name=""/>
+        <p:cNvGrpSpPr/>
+        <p:nvPr/>
+      </p:nvGrpSpPr>
+      <p:grpSpPr>
+        <a:xfrm>
+          <a:off x="0" y="0"/>
+          <a:ext cx="0" cy="0"/>
+          <a:chOff x="0" y="0"/>
+          <a:chExt cx="0" cy="0"/>
+        </a:xfrm>
+      </p:grpSpPr>
+      <p:sp>
+        <p:nvSpPr>
+          <p:cNvPr id="2" name="Title 1">
+            <a:extLst>
+              <a:ext uri="{FF2B5EF4-FFF2-40B4-BE49-F238E27FC236}">
+                <a16:creationId xmlns:a16="http://schemas.microsoft.com/office/drawing/2014/main" id="{A569B919-B449-1E48-9015-AE22A522B1FB}"/>
+              </a:ext>
+            </a:extLst>
+          </p:cNvPr>
+          <p:cNvSpPr>
+            <a:spLocks noGrp="1"/>
+          </p:cNvSpPr>
+          <p:nvPr>
+            <p:ph type="title"/>
+          </p:nvPr>
+        </p:nvSpPr>
+        <p:spPr/>
+        <p:txBody>
+          <a:bodyPr/>
+          <a:lstStyle/>
+          <a:p>
+            <a:r>
+              <a:rPr lang="tr-TR" b="1" dirty="0" err="1">
+                <a:effectLst/>
+              </a:rPr>
+              <a:t>Eslint</a:t>
+            </a:r>
+            <a:endParaRPr lang="tr-TR" dirty="0"/>
+          </a:p>
+        </p:txBody>
+      </p:sp>
+      <p:sp>
+        <p:nvSpPr>
+          <p:cNvPr id="4" name="TextBox 3">
+            <a:extLst>
+              <a:ext uri="{FF2B5EF4-FFF2-40B4-BE49-F238E27FC236}">
+                <a16:creationId xmlns:a16="http://schemas.microsoft.com/office/drawing/2014/main" id="{A8A96ABD-347B-C647-AC7A-940ACD3C08ED}"/>
+              </a:ext>
+            </a:extLst>
+          </p:cNvPr>
+          <p:cNvSpPr txBox="1"/>
+          <p:nvPr/>
+        </p:nvSpPr>
+        <p:spPr>
+          <a:xfrm>
+            <a:off x="1141413" y="2191434"/>
+            <a:ext cx="9057973" cy="3139321"/>
+          </a:xfrm>
+          <a:prstGeom prst="rect">
+            <a:avLst/>
+          </a:prstGeom>
+          <a:noFill/>
+        </p:spPr>
+        <p:txBody>
+          <a:bodyPr wrap="square" rtlCol="0">
+            <a:spAutoFit/>
+          </a:bodyPr>
+          <a:lstStyle/>
+          <a:p>
+            <a:pPr marL="285750" indent="-285750">
+              <a:buFont typeface="Arial" panose="020B0604020202020204" pitchFamily="34" charset="0"/>
+              <a:buChar char="•"/>
+            </a:pPr>
+            <a:r>
+              <a:rPr lang="tr-TR" dirty="0" err="1"/>
+              <a:t>ESLint</a:t>
+            </a:r>
+            <a:r>
+              <a:rPr lang="tr-TR" dirty="0"/>
+              <a:t> is an </a:t>
+            </a:r>
+            <a:r>
+              <a:rPr lang="tr-TR" dirty="0" err="1"/>
+              <a:t>open</a:t>
+            </a:r>
+            <a:r>
+              <a:rPr lang="tr-TR" dirty="0"/>
+              <a:t> </a:t>
+            </a:r>
+            <a:r>
+              <a:rPr lang="tr-TR" dirty="0" err="1"/>
+              <a:t>source</a:t>
+            </a:r>
+            <a:r>
+              <a:rPr lang="tr-TR" dirty="0"/>
+              <a:t> </a:t>
+            </a:r>
+            <a:r>
+              <a:rPr lang="tr-TR" dirty="0" err="1"/>
+              <a:t>JavaScript</a:t>
+            </a:r>
+            <a:r>
+              <a:rPr lang="tr-TR" dirty="0"/>
+              <a:t> </a:t>
+            </a:r>
+            <a:r>
+              <a:rPr lang="tr-TR" dirty="0" err="1"/>
+              <a:t>linting</a:t>
+            </a:r>
+            <a:r>
+              <a:rPr lang="tr-TR" dirty="0"/>
+              <a:t> </a:t>
+            </a:r>
+            <a:r>
+              <a:rPr lang="tr-TR" dirty="0" err="1"/>
+              <a:t>utility</a:t>
+            </a:r>
+            <a:r>
+              <a:rPr lang="tr-TR" dirty="0"/>
+              <a:t> </a:t>
+            </a:r>
+          </a:p>
+          <a:p>
+            <a:r>
+              <a:rPr lang="tr-TR" dirty="0"/>
+              <a:t> </a:t>
+            </a:r>
+          </a:p>
+          <a:p>
+            <a:pPr marL="285750" indent="-285750">
+              <a:buFont typeface="Arial" panose="020B0604020202020204" pitchFamily="34" charset="0"/>
+              <a:buChar char="•"/>
+            </a:pPr>
+            <a:r>
+              <a:rPr lang="tr-TR" dirty="0" err="1"/>
+              <a:t>ESLint</a:t>
+            </a:r>
+            <a:r>
+              <a:rPr lang="tr-TR" dirty="0"/>
+              <a:t> </a:t>
+            </a:r>
+            <a:r>
+              <a:rPr lang="tr-TR" dirty="0" err="1"/>
+              <a:t>allow</a:t>
+            </a:r>
+            <a:r>
+              <a:rPr lang="tr-TR" dirty="0"/>
+              <a:t> </a:t>
+            </a:r>
+            <a:r>
+              <a:rPr lang="tr-TR" dirty="0" err="1"/>
+              <a:t>developers</a:t>
+            </a:r>
+            <a:r>
+              <a:rPr lang="tr-TR" dirty="0"/>
+              <a:t> </a:t>
+            </a:r>
+            <a:r>
+              <a:rPr lang="tr-TR" dirty="0" err="1"/>
+              <a:t>to</a:t>
+            </a:r>
+            <a:r>
+              <a:rPr lang="tr-TR" dirty="0"/>
+              <a:t> </a:t>
+            </a:r>
+            <a:r>
+              <a:rPr lang="tr-TR" dirty="0" err="1"/>
+              <a:t>discover</a:t>
+            </a:r>
+            <a:r>
+              <a:rPr lang="tr-TR" dirty="0"/>
+              <a:t> </a:t>
+            </a:r>
+            <a:r>
+              <a:rPr lang="tr-TR" dirty="0" err="1"/>
+              <a:t>problems</a:t>
+            </a:r>
+            <a:r>
+              <a:rPr lang="tr-TR" dirty="0"/>
+              <a:t> </a:t>
+            </a:r>
+            <a:r>
+              <a:rPr lang="tr-TR" dirty="0" err="1"/>
+              <a:t>with</a:t>
+            </a:r>
+            <a:r>
+              <a:rPr lang="tr-TR" dirty="0"/>
+              <a:t> </a:t>
+            </a:r>
+            <a:r>
+              <a:rPr lang="tr-TR" dirty="0" err="1"/>
+              <a:t>their</a:t>
+            </a:r>
+            <a:r>
+              <a:rPr lang="tr-TR" dirty="0"/>
+              <a:t> </a:t>
+            </a:r>
+            <a:r>
+              <a:rPr lang="tr-TR" dirty="0" err="1"/>
+              <a:t>JavaScript</a:t>
+            </a:r>
+            <a:r>
+              <a:rPr lang="tr-TR" dirty="0"/>
+              <a:t> </a:t>
+            </a:r>
+            <a:r>
+              <a:rPr lang="tr-TR" dirty="0" err="1"/>
+              <a:t>code</a:t>
+            </a:r>
+            <a:r>
+              <a:rPr lang="tr-TR" dirty="0"/>
+              <a:t> </a:t>
+            </a:r>
+            <a:r>
+              <a:rPr lang="tr-TR" dirty="0" err="1"/>
+              <a:t>without</a:t>
+            </a:r>
+            <a:r>
+              <a:rPr lang="tr-TR" dirty="0"/>
+              <a:t> </a:t>
+            </a:r>
+            <a:r>
+              <a:rPr lang="tr-TR" dirty="0" err="1"/>
+              <a:t>executing</a:t>
+            </a:r>
+            <a:r>
+              <a:rPr lang="tr-TR" dirty="0"/>
+              <a:t> it.</a:t>
+            </a:r>
+          </a:p>
+          <a:p>
+            <a:pPr marL="285750" indent="-285750">
+              <a:buFont typeface="Arial" panose="020B0604020202020204" pitchFamily="34" charset="0"/>
+              <a:buChar char="•"/>
+            </a:pPr>
+            <a:endParaRPr lang="tr-TR" dirty="0"/>
+          </a:p>
+          <a:p>
+            <a:pPr marL="285750" indent="-285750">
+              <a:buFont typeface="Arial" panose="020B0604020202020204" pitchFamily="34" charset="0"/>
+              <a:buChar char="•"/>
+            </a:pPr>
+            <a:r>
+              <a:rPr lang="tr-TR" dirty="0"/>
+              <a:t>Developers </a:t>
+            </a:r>
+            <a:r>
+              <a:rPr lang="tr-TR" dirty="0" err="1"/>
+              <a:t>create</a:t>
+            </a:r>
+            <a:r>
+              <a:rPr lang="tr-TR" dirty="0"/>
+              <a:t> </a:t>
+            </a:r>
+            <a:r>
+              <a:rPr lang="tr-TR" dirty="0" err="1"/>
+              <a:t>their</a:t>
+            </a:r>
+            <a:r>
+              <a:rPr lang="tr-TR" dirty="0"/>
+              <a:t> </a:t>
+            </a:r>
+            <a:r>
+              <a:rPr lang="tr-TR" dirty="0" err="1"/>
+              <a:t>own</a:t>
+            </a:r>
+            <a:r>
+              <a:rPr lang="tr-TR" dirty="0"/>
+              <a:t> </a:t>
+            </a:r>
+            <a:r>
+              <a:rPr lang="tr-TR" dirty="0" err="1"/>
+              <a:t>linting</a:t>
+            </a:r>
+            <a:r>
+              <a:rPr lang="tr-TR" dirty="0"/>
+              <a:t> </a:t>
+            </a:r>
+            <a:r>
+              <a:rPr lang="tr-TR" dirty="0" err="1"/>
+              <a:t>rules</a:t>
+            </a:r>
+            <a:r>
+              <a:rPr lang="tr-TR" dirty="0"/>
+              <a:t>.</a:t>
+            </a:r>
+          </a:p>
+          <a:p>
+            <a:pPr marL="285750" indent="-285750">
+              <a:buFont typeface="Arial" panose="020B0604020202020204" pitchFamily="34" charset="0"/>
+              <a:buChar char="•"/>
+            </a:pPr>
+            <a:endParaRPr lang="tr-TR" dirty="0"/>
+          </a:p>
+          <a:p>
+            <a:pPr marL="285750" indent="-285750">
+              <a:buFont typeface="Arial" panose="020B0604020202020204" pitchFamily="34" charset="0"/>
+              <a:buChar char="•"/>
+            </a:pPr>
+            <a:r>
+              <a:rPr lang="tr-TR" dirty="0" err="1"/>
+              <a:t>ESLint</a:t>
+            </a:r>
+            <a:r>
+              <a:rPr lang="tr-TR" dirty="0"/>
+              <a:t> is </a:t>
+            </a:r>
+            <a:r>
+              <a:rPr lang="tr-TR" dirty="0" err="1"/>
+              <a:t>written</a:t>
+            </a:r>
+            <a:r>
+              <a:rPr lang="tr-TR" dirty="0"/>
+              <a:t> </a:t>
+            </a:r>
+            <a:r>
+              <a:rPr lang="tr-TR" dirty="0" err="1"/>
+              <a:t>using</a:t>
+            </a:r>
+            <a:r>
+              <a:rPr lang="tr-TR" dirty="0"/>
+              <a:t> </a:t>
+            </a:r>
+            <a:r>
+              <a:rPr lang="tr-TR" dirty="0" err="1"/>
+              <a:t>Node.js</a:t>
+            </a:r>
+            <a:endParaRPr lang="tr-TR" dirty="0"/>
+          </a:p>
+          <a:p>
+            <a:pPr marL="285750" indent="-285750">
+              <a:buFont typeface="Arial" panose="020B0604020202020204" pitchFamily="34" charset="0"/>
+              <a:buChar char="•"/>
+            </a:pPr>
+            <a:endParaRPr lang="tr-TR" dirty="0"/>
+          </a:p>
+          <a:p>
+            <a:pPr marL="285750" indent="-285750">
+              <a:buFont typeface="Arial" panose="020B0604020202020204" pitchFamily="34" charset="0"/>
+              <a:buChar char="•"/>
+            </a:pPr>
+            <a:endParaRPr lang="tr-TR" dirty="0"/>
+          </a:p>
+          <a:p>
+            <a:pPr marL="285750" indent="-285750">
+              <a:buFont typeface="Arial" panose="020B0604020202020204" pitchFamily="34" charset="0"/>
+              <a:buChar char="•"/>
+            </a:pPr>
+            <a:endParaRPr lang="tr-TR" dirty="0"/>
+          </a:p>
+        </p:txBody>
+      </p:sp>
+    </p:spTree>
+    <p:extLst>
+      <p:ext uri="{BB962C8B-B14F-4D97-AF65-F5344CB8AC3E}">
+        <p14:creationId xmlns:p14="http://schemas.microsoft.com/office/powerpoint/2010/main" val="3298349284"/>
+      </p:ext>
+    </p:extLst>
+  </p:cSld>
+  <p:clrMapOvr>
+    <a:masterClrMapping/>
+  </p:clrMapOvr>
+</p:sld>
+</file>
+
+<file path=ppt/slides/slide9.xml><?xml version="1.0" encoding="utf-8"?>
+<p:sld xmlns:a="http://schemas.openxmlformats.org/drawingml/2006/main" xmlns:r="http://schemas.openxmlformats.org/officeDocument/2006/relationships" xmlns:p="http://schemas.openxmlformats.org/presentationml/2006/main">
+  <p:cSld>
+    <p:spTree>
+      <p:nvGrpSpPr>
+        <p:cNvPr id="1" name=""/>
+        <p:cNvGrpSpPr/>
+        <p:nvPr/>
+      </p:nvGrpSpPr>
+      <p:grpSpPr>
+        <a:xfrm>
+          <a:off x="0" y="0"/>
+          <a:ext cx="0" cy="0"/>
+          <a:chOff x="0" y="0"/>
+          <a:chExt cx="0" cy="0"/>
+        </a:xfrm>
+      </p:grpSpPr>
+      <p:sp>
+        <p:nvSpPr>
+          <p:cNvPr id="2" name="Title 1">
+            <a:extLst>
+              <a:ext uri="{FF2B5EF4-FFF2-40B4-BE49-F238E27FC236}">
+                <a16:creationId xmlns:a16="http://schemas.microsoft.com/office/drawing/2014/main" id="{A569B919-B449-1E48-9015-AE22A522B1FB}"/>
+              </a:ext>
+            </a:extLst>
+          </p:cNvPr>
+          <p:cNvSpPr>
+            <a:spLocks noGrp="1"/>
+          </p:cNvSpPr>
+          <p:nvPr>
+            <p:ph type="title"/>
+          </p:nvPr>
+        </p:nvSpPr>
+        <p:spPr/>
+        <p:txBody>
+          <a:bodyPr/>
+          <a:lstStyle/>
+          <a:p>
+            <a:r>
+              <a:rPr lang="tr-TR" b="1" dirty="0" err="1">
+                <a:effectLst/>
+              </a:rPr>
+              <a:t>Eslint</a:t>
+            </a:r>
+            <a:endParaRPr lang="tr-TR" dirty="0"/>
+          </a:p>
+        </p:txBody>
+      </p:sp>
+      <p:pic>
+        <p:nvPicPr>
+          <p:cNvPr id="5" name="Content Placeholder 4">
+            <a:extLst>
+              <a:ext uri="{FF2B5EF4-FFF2-40B4-BE49-F238E27FC236}">
+                <a16:creationId xmlns:a16="http://schemas.microsoft.com/office/drawing/2014/main" id="{1A8198E2-5E26-7249-BA00-4BC6733F6FBE}"/>
+              </a:ext>
+            </a:extLst>
+          </p:cNvPr>
+          <p:cNvPicPr>
+            <a:picLocks noGrp="1" noChangeAspect="1"/>
+          </p:cNvPicPr>
+          <p:nvPr>
+            <p:ph idx="1"/>
+          </p:nvPr>
+        </p:nvPicPr>
+        <p:blipFill>
+          <a:blip r:embed="rId2"/>
+          <a:stretch>
+            <a:fillRect/>
+          </a:stretch>
+        </p:blipFill>
+        <p:spPr>
+          <a:xfrm>
+            <a:off x="2675466" y="2271583"/>
+            <a:ext cx="6837891" cy="3548866"/>
+          </a:xfrm>
+        </p:spPr>
+      </p:pic>
+    </p:spTree>
+    <p:extLst>
+      <p:ext uri="{BB962C8B-B14F-4D97-AF65-F5344CB8AC3E}">
+        <p14:creationId xmlns:p14="http://schemas.microsoft.com/office/powerpoint/2010/main" val="920775761"/>
       </p:ext>
     </p:extLst>
   </p:cSld>
